--- a/APIHOOK/GameHack.pptx
+++ b/APIHOOK/GameHack.pptx
@@ -6,7 +6,7 @@
     <p:sldMasterId id="2147483659" r:id="rId2"/>
   </p:sldMasterIdLst>
   <p:notesMasterIdLst>
-    <p:notesMasterId r:id="rId13"/>
+    <p:notesMasterId r:id="rId16"/>
   </p:notesMasterIdLst>
   <p:sldIdLst>
     <p:sldId id="257" r:id="rId3"/>
@@ -18,12 +18,15 @@
     <p:sldId id="273" r:id="rId9"/>
     <p:sldId id="266" r:id="rId10"/>
     <p:sldId id="267" r:id="rId11"/>
-    <p:sldId id="296" r:id="rId12"/>
+    <p:sldId id="297" r:id="rId12"/>
+    <p:sldId id="298" r:id="rId13"/>
+    <p:sldId id="299" r:id="rId14"/>
+    <p:sldId id="296" r:id="rId15"/>
   </p:sldIdLst>
   <p:sldSz cx="12192000" cy="6858000"/>
   <p:notesSz cx="7104063" cy="10234613"/>
   <p:custDataLst>
-    <p:tags r:id="rId14"/>
+    <p:tags r:id="rId17"/>
   </p:custDataLst>
   <p:defaultTextStyle>
     <a:defPPr>
@@ -221,7 +224,7 @@
           <a:p>
             <a:fld id="{03BA3C60-8E6F-488C-B5F4-054B4E05773F}" type="datetimeFigureOut">
               <a:rPr lang="zh-CN" altLang="en-US" smtClean="0"/>
-              <a:t>2018/1/15</a:t>
+              <a:t>2018/1/16</a:t>
             </a:fld>
             <a:endParaRPr lang="zh-CN" altLang="en-US"/>
           </a:p>
@@ -638,7 +641,7 @@
           <a:p>
             <a:fld id="{2B97B686-3429-4179-944D-770D99EED06F}" type="slidenum">
               <a:rPr lang="zh-CN" altLang="en-US" smtClean="0"/>
-              <a:t>10</a:t>
+              <a:t>13</a:t>
             </a:fld>
             <a:endParaRPr lang="zh-CN" altLang="en-US"/>
           </a:p>
@@ -1342,7 +1345,7 @@
           <a:p>
             <a:fld id="{82F288E0-7875-42C4-84C8-98DBBD3BF4D2}" type="datetimeFigureOut">
               <a:rPr lang="zh-CN" altLang="en-US" smtClean="0"/>
-              <a:t>2018/1/15</a:t>
+              <a:t>2018/1/16</a:t>
             </a:fld>
             <a:endParaRPr lang="zh-CN" altLang="en-US"/>
           </a:p>
@@ -1546,7 +1549,7 @@
           <a:p>
             <a:fld id="{82F288E0-7875-42C4-84C8-98DBBD3BF4D2}" type="datetimeFigureOut">
               <a:rPr lang="zh-CN" altLang="en-US" smtClean="0"/>
-              <a:t>2018/1/15</a:t>
+              <a:t>2018/1/16</a:t>
             </a:fld>
             <a:endParaRPr lang="zh-CN" altLang="en-US"/>
           </a:p>
@@ -1727,7 +1730,7 @@
           <a:p>
             <a:fld id="{82F288E0-7875-42C4-84C8-98DBBD3BF4D2}" type="datetimeFigureOut">
               <a:rPr lang="zh-CN" altLang="en-US" smtClean="0"/>
-              <a:t>2018/1/15</a:t>
+              <a:t>2018/1/16</a:t>
             </a:fld>
             <a:endParaRPr lang="zh-CN" altLang="en-US"/>
           </a:p>
@@ -1879,7 +1882,7 @@
           <a:p>
             <a:fld id="{82F288E0-7875-42C4-84C8-98DBBD3BF4D2}" type="datetimeFigureOut">
               <a:rPr lang="zh-CN" altLang="en-US" smtClean="0"/>
-              <a:t>2018/1/15</a:t>
+              <a:t>2018/1/16</a:t>
             </a:fld>
             <a:endParaRPr lang="zh-CN" altLang="en-US"/>
           </a:p>
@@ -1996,7 +1999,7 @@
           <a:p>
             <a:fld id="{82F288E0-7875-42C4-84C8-98DBBD3BF4D2}" type="datetimeFigureOut">
               <a:rPr lang="zh-CN" altLang="en-US" smtClean="0"/>
-              <a:t>2018/1/15</a:t>
+              <a:t>2018/1/16</a:t>
             </a:fld>
             <a:endParaRPr lang="zh-CN" altLang="en-US"/>
           </a:p>
@@ -2226,7 +2229,7 @@
           <a:p>
             <a:fld id="{82F288E0-7875-42C4-84C8-98DBBD3BF4D2}" type="datetimeFigureOut">
               <a:rPr lang="zh-CN" altLang="en-US" smtClean="0"/>
-              <a:t>2018/1/15</a:t>
+              <a:t>2018/1/16</a:t>
             </a:fld>
             <a:endParaRPr lang="zh-CN" altLang="en-US"/>
           </a:p>
@@ -3760,13 +3763,13 @@
   <p:clrMapOvr>
     <a:masterClrMapping/>
   </p:clrMapOvr>
-  <mc:AlternateContent xmlns:mc="http://schemas.openxmlformats.org/markup-compatibility/2006">
-    <mc:Choice xmlns:p14="http://schemas.microsoft.com/office/powerpoint/2010/main" Requires="p14">
+  <mc:AlternateContent xmlns:mc="http://schemas.openxmlformats.org/markup-compatibility/2006" xmlns:p14="http://schemas.microsoft.com/office/powerpoint/2010/main">
+    <mc:Choice Requires="p14">
       <p:transition spd="slow" p14:dur="1500">
         <p:random/>
       </p:transition>
     </mc:Choice>
-    <mc:Fallback>
+    <mc:Fallback xmlns="">
       <p:transition spd="slow">
         <p:random/>
       </p:transition>
@@ -3928,6 +3931,2840 @@
 </file>
 
 <file path=ppt/slides/slide10.xml><?xml version="1.0" encoding="utf-8"?>
+<p:sld xmlns:a="http://schemas.openxmlformats.org/drawingml/2006/main" xmlns:r="http://schemas.openxmlformats.org/officeDocument/2006/relationships" xmlns:p="http://schemas.openxmlformats.org/presentationml/2006/main">
+  <p:cSld>
+    <p:spTree>
+      <p:nvGrpSpPr>
+        <p:cNvPr id="1" name=""/>
+        <p:cNvGrpSpPr/>
+        <p:nvPr/>
+      </p:nvGrpSpPr>
+      <p:grpSpPr>
+        <a:xfrm>
+          <a:off x="0" y="0"/>
+          <a:ext cx="0" cy="0"/>
+          <a:chOff x="0" y="0"/>
+          <a:chExt cx="0" cy="0"/>
+        </a:xfrm>
+      </p:grpSpPr>
+      <p:sp>
+        <p:nvSpPr>
+          <p:cNvPr id="3" name="文本框 2"/>
+          <p:cNvSpPr txBox="1"/>
+          <p:nvPr/>
+        </p:nvSpPr>
+        <p:spPr>
+          <a:xfrm>
+            <a:off x="1853514" y="1008416"/>
+            <a:ext cx="1715534" cy="584775"/>
+          </a:xfrm>
+          <a:prstGeom prst="rect">
+            <a:avLst/>
+          </a:prstGeom>
+          <a:noFill/>
+        </p:spPr>
+        <p:txBody>
+          <a:bodyPr wrap="none" rtlCol="0">
+            <a:spAutoFit/>
+          </a:bodyPr>
+          <a:lstStyle/>
+          <a:p>
+            <a:r>
+              <a:rPr lang="en-US" altLang="zh-CN" sz="3200" dirty="0" smtClean="0">
+                <a:solidFill>
+                  <a:srgbClr val="FFC000"/>
+                </a:solidFill>
+                <a:latin typeface="Bernard MT Condensed" panose="02050806060905020404" pitchFamily="18" charset="0"/>
+              </a:rPr>
+              <a:t>API HOOK</a:t>
+            </a:r>
+            <a:endParaRPr lang="zh-CN" altLang="en-US" sz="3200" dirty="0">
+              <a:solidFill>
+                <a:srgbClr val="FFC000"/>
+              </a:solidFill>
+              <a:latin typeface="Bernard MT Condensed" panose="02050806060905020404" pitchFamily="18" charset="0"/>
+            </a:endParaRPr>
+          </a:p>
+        </p:txBody>
+      </p:sp>
+      <p:sp>
+        <p:nvSpPr>
+          <p:cNvPr id="4" name="文本框 3"/>
+          <p:cNvSpPr txBox="1"/>
+          <p:nvPr/>
+        </p:nvSpPr>
+        <p:spPr>
+          <a:xfrm>
+            <a:off x="1853514" y="1777823"/>
+            <a:ext cx="9526967" cy="2523768"/>
+          </a:xfrm>
+          <a:prstGeom prst="rect">
+            <a:avLst/>
+          </a:prstGeom>
+          <a:noFill/>
+        </p:spPr>
+        <p:txBody>
+          <a:bodyPr wrap="none" rtlCol="0">
+            <a:spAutoFit/>
+          </a:bodyPr>
+          <a:lstStyle/>
+          <a:p>
+            <a:r>
+              <a:rPr lang="en-US" altLang="zh-CN" sz="1400" dirty="0" smtClean="0">
+                <a:solidFill>
+                  <a:srgbClr val="002060"/>
+                </a:solidFill>
+                <a:latin typeface="Consolas" panose="020B0609020204030204" pitchFamily="49" charset="0"/>
+                <a:ea typeface="Batang" panose="02030600000101010101" pitchFamily="18" charset="-127"/>
+                <a:cs typeface="Consolas" panose="020B0609020204030204" pitchFamily="49" charset="0"/>
+              </a:rPr>
+              <a:t>1. Assume the function name to be hooked as </a:t>
+            </a:r>
+            <a:r>
+              <a:rPr lang="en-US" altLang="zh-CN" sz="1400" dirty="0" err="1" smtClean="0">
+                <a:solidFill>
+                  <a:srgbClr val="002060"/>
+                </a:solidFill>
+                <a:latin typeface="Consolas" panose="020B0609020204030204" pitchFamily="49" charset="0"/>
+                <a:ea typeface="Batang" panose="02030600000101010101" pitchFamily="18" charset="-127"/>
+                <a:cs typeface="Consolas" panose="020B0609020204030204" pitchFamily="49" charset="0"/>
+              </a:rPr>
+              <a:t>fhooked</a:t>
+            </a:r>
+            <a:r>
+              <a:rPr lang="en-US" altLang="zh-CN" sz="1400" dirty="0" smtClean="0">
+                <a:solidFill>
+                  <a:srgbClr val="002060"/>
+                </a:solidFill>
+                <a:latin typeface="Consolas" panose="020B0609020204030204" pitchFamily="49" charset="0"/>
+                <a:ea typeface="Batang" panose="02030600000101010101" pitchFamily="18" charset="-127"/>
+                <a:cs typeface="Consolas" panose="020B0609020204030204" pitchFamily="49" charset="0"/>
+              </a:rPr>
+              <a:t> and your own function named </a:t>
+            </a:r>
+            <a:r>
+              <a:rPr lang="en-US" altLang="zh-CN" sz="1400" dirty="0" err="1" smtClean="0">
+                <a:solidFill>
+                  <a:srgbClr val="002060"/>
+                </a:solidFill>
+                <a:latin typeface="Consolas" panose="020B0609020204030204" pitchFamily="49" charset="0"/>
+                <a:ea typeface="Batang" panose="02030600000101010101" pitchFamily="18" charset="-127"/>
+                <a:cs typeface="Consolas" panose="020B0609020204030204" pitchFamily="49" charset="0"/>
+              </a:rPr>
+              <a:t>fhook</a:t>
+            </a:r>
+            <a:endParaRPr lang="en-US" altLang="zh-CN" sz="1400" dirty="0" smtClean="0">
+              <a:solidFill>
+                <a:srgbClr val="002060"/>
+              </a:solidFill>
+              <a:latin typeface="Consolas" panose="020B0609020204030204" pitchFamily="49" charset="0"/>
+              <a:ea typeface="Batang" panose="02030600000101010101" pitchFamily="18" charset="-127"/>
+              <a:cs typeface="Consolas" panose="020B0609020204030204" pitchFamily="49" charset="0"/>
+            </a:endParaRPr>
+          </a:p>
+          <a:p>
+            <a:endParaRPr lang="en-US" altLang="zh-CN" sz="1400" dirty="0" smtClean="0">
+              <a:solidFill>
+                <a:srgbClr val="002060"/>
+              </a:solidFill>
+              <a:latin typeface="Consolas" panose="020B0609020204030204" pitchFamily="49" charset="0"/>
+              <a:ea typeface="Batang" panose="02030600000101010101" pitchFamily="18" charset="-127"/>
+              <a:cs typeface="Consolas" panose="020B0609020204030204" pitchFamily="49" charset="0"/>
+            </a:endParaRPr>
+          </a:p>
+          <a:p>
+            <a:r>
+              <a:rPr lang="en-US" altLang="zh-CN" sz="1400" dirty="0" smtClean="0">
+                <a:solidFill>
+                  <a:srgbClr val="002060"/>
+                </a:solidFill>
+                <a:latin typeface="Consolas" panose="020B0609020204030204" pitchFamily="49" charset="0"/>
+                <a:ea typeface="Batang" panose="02030600000101010101" pitchFamily="18" charset="-127"/>
+                <a:cs typeface="Consolas" panose="020B0609020204030204" pitchFamily="49" charset="0"/>
+              </a:rPr>
+              <a:t>2. Get the module handle of </a:t>
+            </a:r>
+            <a:r>
+              <a:rPr lang="en-US" altLang="zh-CN" sz="1400" dirty="0" err="1" smtClean="0">
+                <a:solidFill>
+                  <a:srgbClr val="002060"/>
+                </a:solidFill>
+                <a:latin typeface="Consolas" panose="020B0609020204030204" pitchFamily="49" charset="0"/>
+                <a:ea typeface="Batang" panose="02030600000101010101" pitchFamily="18" charset="-127"/>
+                <a:cs typeface="Consolas" panose="020B0609020204030204" pitchFamily="49" charset="0"/>
+              </a:rPr>
+              <a:t>fhooked</a:t>
+            </a:r>
+            <a:endParaRPr lang="en-US" altLang="zh-CN" sz="1400" dirty="0">
+              <a:solidFill>
+                <a:srgbClr val="002060"/>
+              </a:solidFill>
+              <a:latin typeface="Consolas" panose="020B0609020204030204" pitchFamily="49" charset="0"/>
+              <a:ea typeface="Batang" panose="02030600000101010101" pitchFamily="18" charset="-127"/>
+              <a:cs typeface="Consolas" panose="020B0609020204030204" pitchFamily="49" charset="0"/>
+            </a:endParaRPr>
+          </a:p>
+          <a:p>
+            <a:endParaRPr lang="en-US" altLang="zh-CN" sz="1400" dirty="0" smtClean="0">
+              <a:solidFill>
+                <a:srgbClr val="002060"/>
+              </a:solidFill>
+              <a:latin typeface="Consolas" panose="020B0609020204030204" pitchFamily="49" charset="0"/>
+              <a:ea typeface="Batang" panose="02030600000101010101" pitchFamily="18" charset="-127"/>
+              <a:cs typeface="Consolas" panose="020B0609020204030204" pitchFamily="49" charset="0"/>
+            </a:endParaRPr>
+          </a:p>
+          <a:p>
+            <a:r>
+              <a:rPr lang="en-US" altLang="zh-CN" sz="1400" dirty="0" smtClean="0">
+                <a:solidFill>
+                  <a:srgbClr val="002060"/>
+                </a:solidFill>
+                <a:latin typeface="Consolas" panose="020B0609020204030204" pitchFamily="49" charset="0"/>
+                <a:ea typeface="Batang" panose="02030600000101010101" pitchFamily="18" charset="-127"/>
+                <a:cs typeface="Consolas" panose="020B0609020204030204" pitchFamily="49" charset="0"/>
+              </a:rPr>
+              <a:t>3. Get the VM start address of hooked</a:t>
+            </a:r>
+          </a:p>
+          <a:p>
+            <a:endParaRPr lang="en-US" altLang="zh-CN" sz="1400" dirty="0" smtClean="0">
+              <a:solidFill>
+                <a:srgbClr val="002060"/>
+              </a:solidFill>
+              <a:latin typeface="Consolas" panose="020B0609020204030204" pitchFamily="49" charset="0"/>
+              <a:ea typeface="Batang" panose="02030600000101010101" pitchFamily="18" charset="-127"/>
+              <a:cs typeface="Consolas" panose="020B0609020204030204" pitchFamily="49" charset="0"/>
+            </a:endParaRPr>
+          </a:p>
+          <a:p>
+            <a:r>
+              <a:rPr lang="en-US" altLang="zh-CN" sz="1400" dirty="0" smtClean="0">
+                <a:solidFill>
+                  <a:srgbClr val="002060"/>
+                </a:solidFill>
+                <a:latin typeface="Consolas" panose="020B0609020204030204" pitchFamily="49" charset="0"/>
+                <a:ea typeface="Batang" panose="02030600000101010101" pitchFamily="18" charset="-127"/>
+                <a:cs typeface="Consolas" panose="020B0609020204030204" pitchFamily="49" charset="0"/>
+              </a:rPr>
+              <a:t>4. Replace the begin of the hooked function assemble instruction  as “</a:t>
+            </a:r>
+            <a:r>
+              <a:rPr lang="en-US" altLang="zh-CN" sz="1400" dirty="0" err="1" smtClean="0">
+                <a:solidFill>
+                  <a:srgbClr val="002060"/>
+                </a:solidFill>
+                <a:latin typeface="Consolas" panose="020B0609020204030204" pitchFamily="49" charset="0"/>
+                <a:ea typeface="Batang" panose="02030600000101010101" pitchFamily="18" charset="-127"/>
+                <a:cs typeface="Consolas" panose="020B0609020204030204" pitchFamily="49" charset="0"/>
+              </a:rPr>
+              <a:t>jmp</a:t>
+            </a:r>
+            <a:r>
+              <a:rPr lang="en-US" altLang="zh-CN" sz="1400" dirty="0" smtClean="0">
+                <a:solidFill>
+                  <a:srgbClr val="002060"/>
+                </a:solidFill>
+                <a:latin typeface="Consolas" panose="020B0609020204030204" pitchFamily="49" charset="0"/>
+                <a:ea typeface="Batang" panose="02030600000101010101" pitchFamily="18" charset="-127"/>
+                <a:cs typeface="Consolas" panose="020B0609020204030204" pitchFamily="49" charset="0"/>
+              </a:rPr>
+              <a:t> XXX” (total 5 </a:t>
+            </a:r>
+            <a:r>
+              <a:rPr lang="en-US" altLang="zh-CN" sz="1400" dirty="0" err="1" smtClean="0">
+                <a:solidFill>
+                  <a:srgbClr val="002060"/>
+                </a:solidFill>
+                <a:latin typeface="Consolas" panose="020B0609020204030204" pitchFamily="49" charset="0"/>
+                <a:ea typeface="Batang" panose="02030600000101010101" pitchFamily="18" charset="-127"/>
+                <a:cs typeface="Consolas" panose="020B0609020204030204" pitchFamily="49" charset="0"/>
+              </a:rPr>
+              <a:t>byets</a:t>
+            </a:r>
+            <a:r>
+              <a:rPr lang="en-US" altLang="zh-CN" sz="1400" dirty="0" smtClean="0">
+                <a:solidFill>
+                  <a:srgbClr val="002060"/>
+                </a:solidFill>
+                <a:latin typeface="Consolas" panose="020B0609020204030204" pitchFamily="49" charset="0"/>
+                <a:ea typeface="Batang" panose="02030600000101010101" pitchFamily="18" charset="-127"/>
+                <a:cs typeface="Consolas" panose="020B0609020204030204" pitchFamily="49" charset="0"/>
+              </a:rPr>
+              <a:t>)</a:t>
+            </a:r>
+          </a:p>
+          <a:p>
+            <a:endParaRPr lang="en-US" altLang="zh-CN" sz="1400" dirty="0" smtClean="0">
+              <a:solidFill>
+                <a:srgbClr val="002060"/>
+              </a:solidFill>
+              <a:latin typeface="Consolas" panose="020B0609020204030204" pitchFamily="49" charset="0"/>
+              <a:ea typeface="Batang" panose="02030600000101010101" pitchFamily="18" charset="-127"/>
+              <a:cs typeface="Consolas" panose="020B0609020204030204" pitchFamily="49" charset="0"/>
+            </a:endParaRPr>
+          </a:p>
+          <a:p>
+            <a:r>
+              <a:rPr lang="en-US" altLang="zh-CN" sz="1400" dirty="0" smtClean="0">
+                <a:solidFill>
+                  <a:srgbClr val="002060"/>
+                </a:solidFill>
+                <a:latin typeface="Consolas" panose="020B0609020204030204" pitchFamily="49" charset="0"/>
+                <a:ea typeface="Batang" panose="02030600000101010101" pitchFamily="18" charset="-127"/>
+                <a:cs typeface="Consolas" panose="020B0609020204030204" pitchFamily="49" charset="0"/>
+              </a:rPr>
+              <a:t>5. Calculate the </a:t>
+            </a:r>
+            <a:r>
+              <a:rPr lang="en-US" altLang="zh-CN" sz="1400" dirty="0" err="1" smtClean="0">
+                <a:solidFill>
+                  <a:srgbClr val="002060"/>
+                </a:solidFill>
+                <a:latin typeface="Consolas" panose="020B0609020204030204" pitchFamily="49" charset="0"/>
+                <a:ea typeface="Batang" panose="02030600000101010101" pitchFamily="18" charset="-127"/>
+                <a:cs typeface="Consolas" panose="020B0609020204030204" pitchFamily="49" charset="0"/>
+              </a:rPr>
+              <a:t>jmp</a:t>
+            </a:r>
+            <a:r>
+              <a:rPr lang="en-US" altLang="zh-CN" sz="1400" dirty="0" smtClean="0">
+                <a:solidFill>
+                  <a:srgbClr val="002060"/>
+                </a:solidFill>
+                <a:latin typeface="Consolas" panose="020B0609020204030204" pitchFamily="49" charset="0"/>
+                <a:ea typeface="Batang" panose="02030600000101010101" pitchFamily="18" charset="-127"/>
+                <a:cs typeface="Consolas" panose="020B0609020204030204" pitchFamily="49" charset="0"/>
+              </a:rPr>
+              <a:t> destination:</a:t>
+            </a:r>
+          </a:p>
+          <a:p>
+            <a:r>
+              <a:rPr lang="en-US" altLang="zh-CN" sz="1400" dirty="0">
+                <a:solidFill>
+                  <a:srgbClr val="002060"/>
+                </a:solidFill>
+                <a:latin typeface="Consolas" panose="020B0609020204030204" pitchFamily="49" charset="0"/>
+                <a:ea typeface="Batang" panose="02030600000101010101" pitchFamily="18" charset="-127"/>
+                <a:cs typeface="Consolas" panose="020B0609020204030204" pitchFamily="49" charset="0"/>
+              </a:rPr>
+              <a:t>	</a:t>
+            </a:r>
+            <a:r>
+              <a:rPr lang="en-US" altLang="zh-CN" sz="1400" dirty="0" smtClean="0">
+                <a:solidFill>
+                  <a:srgbClr val="002060"/>
+                </a:solidFill>
+                <a:latin typeface="Consolas" panose="020B0609020204030204" pitchFamily="49" charset="0"/>
+                <a:ea typeface="Batang" panose="02030600000101010101" pitchFamily="18" charset="-127"/>
+                <a:cs typeface="Consolas" panose="020B0609020204030204" pitchFamily="49" charset="0"/>
+              </a:rPr>
+              <a:t>XXX = </a:t>
+            </a:r>
+            <a:r>
+              <a:rPr lang="en-US" altLang="zh-CN" sz="1400" dirty="0" err="1" smtClean="0">
+                <a:solidFill>
+                  <a:srgbClr val="002060"/>
+                </a:solidFill>
+                <a:latin typeface="Consolas" panose="020B0609020204030204" pitchFamily="49" charset="0"/>
+                <a:ea typeface="Batang" panose="02030600000101010101" pitchFamily="18" charset="-127"/>
+                <a:cs typeface="Consolas" panose="020B0609020204030204" pitchFamily="49" charset="0"/>
+              </a:rPr>
+              <a:t>fhook</a:t>
+            </a:r>
+            <a:r>
+              <a:rPr lang="en-US" altLang="zh-CN" sz="1400" dirty="0" smtClean="0">
+                <a:solidFill>
+                  <a:srgbClr val="002060"/>
+                </a:solidFill>
+                <a:latin typeface="Consolas" panose="020B0609020204030204" pitchFamily="49" charset="0"/>
+                <a:ea typeface="Batang" panose="02030600000101010101" pitchFamily="18" charset="-127"/>
+                <a:cs typeface="Consolas" panose="020B0609020204030204" pitchFamily="49" charset="0"/>
+              </a:rPr>
+              <a:t> – fhooked-5</a:t>
+            </a:r>
+            <a:endParaRPr lang="en-US" altLang="zh-CN" sz="1400" dirty="0">
+              <a:solidFill>
+                <a:srgbClr val="002060"/>
+              </a:solidFill>
+              <a:latin typeface="Consolas" panose="020B0609020204030204" pitchFamily="49" charset="0"/>
+              <a:ea typeface="Batang" panose="02030600000101010101" pitchFamily="18" charset="-127"/>
+              <a:cs typeface="Consolas" panose="020B0609020204030204" pitchFamily="49" charset="0"/>
+            </a:endParaRPr>
+          </a:p>
+          <a:p>
+            <a:r>
+              <a:rPr lang="en-US" altLang="zh-CN" dirty="0" smtClean="0">
+                <a:latin typeface="Centaur" panose="02030504050205020304" pitchFamily="18" charset="0"/>
+              </a:rPr>
+              <a:t>	</a:t>
+            </a:r>
+            <a:endParaRPr lang="zh-CN" altLang="en-US" dirty="0">
+              <a:latin typeface="Centaur" panose="02030504050205020304" pitchFamily="18" charset="0"/>
+            </a:endParaRPr>
+          </a:p>
+        </p:txBody>
+      </p:sp>
+      <p:sp>
+        <p:nvSpPr>
+          <p:cNvPr id="5" name="文本框 4"/>
+          <p:cNvSpPr txBox="1"/>
+          <p:nvPr/>
+        </p:nvSpPr>
+        <p:spPr>
+          <a:xfrm>
+            <a:off x="1960606" y="4670854"/>
+            <a:ext cx="7795019" cy="584775"/>
+          </a:xfrm>
+          <a:prstGeom prst="rect">
+            <a:avLst/>
+          </a:prstGeom>
+          <a:noFill/>
+        </p:spPr>
+        <p:txBody>
+          <a:bodyPr wrap="none" rtlCol="0">
+            <a:spAutoFit/>
+          </a:bodyPr>
+          <a:lstStyle/>
+          <a:p>
+            <a:r>
+              <a:rPr lang="en-US" altLang="zh-CN" sz="1600" i="1" dirty="0">
+                <a:solidFill>
+                  <a:srgbClr val="FF0000"/>
+                </a:solidFill>
+                <a:latin typeface="Centaur" panose="02030504050205020304" pitchFamily="18" charset="0"/>
+              </a:rPr>
+              <a:t>‘When CPU calculate </a:t>
+            </a:r>
+            <a:r>
+              <a:rPr lang="en-US" altLang="zh-CN" sz="1600" i="1" dirty="0" err="1">
+                <a:solidFill>
+                  <a:srgbClr val="FF0000"/>
+                </a:solidFill>
+                <a:latin typeface="Centaur" panose="02030504050205020304" pitchFamily="18" charset="0"/>
+              </a:rPr>
+              <a:t>jmp</a:t>
+            </a:r>
+            <a:r>
+              <a:rPr lang="en-US" altLang="zh-CN" sz="1600" i="1" dirty="0">
+                <a:solidFill>
+                  <a:srgbClr val="FF0000"/>
+                </a:solidFill>
+                <a:latin typeface="Centaur" panose="02030504050205020304" pitchFamily="18" charset="0"/>
+              </a:rPr>
+              <a:t> instruction’s destination, PC value is the next assemble instruction’s address,</a:t>
+            </a:r>
+          </a:p>
+          <a:p>
+            <a:r>
+              <a:rPr lang="en-US" altLang="zh-CN" sz="1600" i="1" dirty="0">
+                <a:solidFill>
+                  <a:srgbClr val="FF0000"/>
+                </a:solidFill>
+                <a:latin typeface="Centaur" panose="02030504050205020304" pitchFamily="18" charset="0"/>
+              </a:rPr>
+              <a:t>not </a:t>
+            </a:r>
+            <a:r>
+              <a:rPr lang="en-US" altLang="zh-CN" sz="1600" i="1" dirty="0" err="1">
+                <a:solidFill>
+                  <a:srgbClr val="FF0000"/>
+                </a:solidFill>
+                <a:latin typeface="Centaur" panose="02030504050205020304" pitchFamily="18" charset="0"/>
+              </a:rPr>
+              <a:t>jmp</a:t>
+            </a:r>
+            <a:r>
+              <a:rPr lang="en-US" altLang="zh-CN" sz="1600" i="1" dirty="0">
+                <a:solidFill>
+                  <a:srgbClr val="FF0000"/>
+                </a:solidFill>
+                <a:latin typeface="Centaur" panose="02030504050205020304" pitchFamily="18" charset="0"/>
+              </a:rPr>
+              <a:t> instruction address’</a:t>
+            </a:r>
+          </a:p>
+        </p:txBody>
+      </p:sp>
+    </p:spTree>
+    <p:extLst>
+      <p:ext uri="{BB962C8B-B14F-4D97-AF65-F5344CB8AC3E}">
+        <p14:creationId xmlns:p14="http://schemas.microsoft.com/office/powerpoint/2010/main" val="3310294692"/>
+      </p:ext>
+    </p:extLst>
+  </p:cSld>
+  <p:clrMapOvr>
+    <a:masterClrMapping/>
+  </p:clrMapOvr>
+  <mc:AlternateContent xmlns:mc="http://schemas.openxmlformats.org/markup-compatibility/2006">
+    <mc:Choice xmlns:p14="http://schemas.microsoft.com/office/powerpoint/2010/main" Requires="p14">
+      <p:transition spd="slow" p14:dur="1500">
+        <p:random/>
+      </p:transition>
+    </mc:Choice>
+    <mc:Fallback>
+      <p:transition spd="slow">
+        <p:random/>
+      </p:transition>
+    </mc:Fallback>
+  </mc:AlternateContent>
+  <p:timing>
+    <p:tnLst>
+      <p:par>
+        <p:cTn id="1" dur="indefinite" restart="never" nodeType="tmRoot">
+          <p:childTnLst>
+            <p:seq concurrent="1" nextAc="seek">
+              <p:cTn id="2" dur="indefinite" nodeType="mainSeq">
+                <p:childTnLst>
+                  <p:par>
+                    <p:cTn id="3" fill="hold">
+                      <p:stCondLst>
+                        <p:cond delay="indefinite"/>
+                      </p:stCondLst>
+                      <p:childTnLst>
+                        <p:par>
+                          <p:cTn id="4" fill="hold">
+                            <p:stCondLst>
+                              <p:cond delay="0"/>
+                            </p:stCondLst>
+                            <p:childTnLst>
+                              <p:par>
+                                <p:cTn id="5" presetID="2" presetClass="entr" presetSubtype="4" fill="hold" nodeType="clickEffect">
+                                  <p:stCondLst>
+                                    <p:cond delay="0"/>
+                                  </p:stCondLst>
+                                  <p:childTnLst>
+                                    <p:set>
+                                      <p:cBhvr>
+                                        <p:cTn id="6" dur="1" fill="hold">
+                                          <p:stCondLst>
+                                            <p:cond delay="0"/>
+                                          </p:stCondLst>
+                                        </p:cTn>
+                                        <p:tgtEl>
+                                          <p:spTgt spid="5">
+                                            <p:txEl>
+                                              <p:pRg st="0" end="0"/>
+                                            </p:txEl>
+                                          </p:spTgt>
+                                        </p:tgtEl>
+                                        <p:attrNameLst>
+                                          <p:attrName>style.visibility</p:attrName>
+                                        </p:attrNameLst>
+                                      </p:cBhvr>
+                                      <p:to>
+                                        <p:strVal val="visible"/>
+                                      </p:to>
+                                    </p:set>
+                                    <p:anim calcmode="lin" valueType="num">
+                                      <p:cBhvr additive="base">
+                                        <p:cTn id="7" dur="500" fill="hold"/>
+                                        <p:tgtEl>
+                                          <p:spTgt spid="5">
+                                            <p:txEl>
+                                              <p:pRg st="0" end="0"/>
+                                            </p:txEl>
+                                          </p:spTgt>
+                                        </p:tgtEl>
+                                        <p:attrNameLst>
+                                          <p:attrName>ppt_x</p:attrName>
+                                        </p:attrNameLst>
+                                      </p:cBhvr>
+                                      <p:tavLst>
+                                        <p:tav tm="0">
+                                          <p:val>
+                                            <p:strVal val="#ppt_x"/>
+                                          </p:val>
+                                        </p:tav>
+                                        <p:tav tm="100000">
+                                          <p:val>
+                                            <p:strVal val="#ppt_x"/>
+                                          </p:val>
+                                        </p:tav>
+                                      </p:tavLst>
+                                    </p:anim>
+                                    <p:anim calcmode="lin" valueType="num">
+                                      <p:cBhvr additive="base">
+                                        <p:cTn id="8" dur="500" fill="hold"/>
+                                        <p:tgtEl>
+                                          <p:spTgt spid="5">
+                                            <p:txEl>
+                                              <p:pRg st="0" end="0"/>
+                                            </p:txEl>
+                                          </p:spTgt>
+                                        </p:tgtEl>
+                                        <p:attrNameLst>
+                                          <p:attrName>ppt_y</p:attrName>
+                                        </p:attrNameLst>
+                                      </p:cBhvr>
+                                      <p:tavLst>
+                                        <p:tav tm="0">
+                                          <p:val>
+                                            <p:strVal val="1+#ppt_h/2"/>
+                                          </p:val>
+                                        </p:tav>
+                                        <p:tav tm="100000">
+                                          <p:val>
+                                            <p:strVal val="#ppt_y"/>
+                                          </p:val>
+                                        </p:tav>
+                                      </p:tavLst>
+                                    </p:anim>
+                                  </p:childTnLst>
+                                </p:cTn>
+                              </p:par>
+                              <p:par>
+                                <p:cTn id="9" presetID="2" presetClass="entr" presetSubtype="4" fill="hold" nodeType="withEffect">
+                                  <p:stCondLst>
+                                    <p:cond delay="0"/>
+                                  </p:stCondLst>
+                                  <p:childTnLst>
+                                    <p:set>
+                                      <p:cBhvr>
+                                        <p:cTn id="10" dur="1" fill="hold">
+                                          <p:stCondLst>
+                                            <p:cond delay="0"/>
+                                          </p:stCondLst>
+                                        </p:cTn>
+                                        <p:tgtEl>
+                                          <p:spTgt spid="5">
+                                            <p:txEl>
+                                              <p:pRg st="1" end="1"/>
+                                            </p:txEl>
+                                          </p:spTgt>
+                                        </p:tgtEl>
+                                        <p:attrNameLst>
+                                          <p:attrName>style.visibility</p:attrName>
+                                        </p:attrNameLst>
+                                      </p:cBhvr>
+                                      <p:to>
+                                        <p:strVal val="visible"/>
+                                      </p:to>
+                                    </p:set>
+                                    <p:anim calcmode="lin" valueType="num">
+                                      <p:cBhvr additive="base">
+                                        <p:cTn id="11" dur="500" fill="hold"/>
+                                        <p:tgtEl>
+                                          <p:spTgt spid="5">
+                                            <p:txEl>
+                                              <p:pRg st="1" end="1"/>
+                                            </p:txEl>
+                                          </p:spTgt>
+                                        </p:tgtEl>
+                                        <p:attrNameLst>
+                                          <p:attrName>ppt_x</p:attrName>
+                                        </p:attrNameLst>
+                                      </p:cBhvr>
+                                      <p:tavLst>
+                                        <p:tav tm="0">
+                                          <p:val>
+                                            <p:strVal val="#ppt_x"/>
+                                          </p:val>
+                                        </p:tav>
+                                        <p:tav tm="100000">
+                                          <p:val>
+                                            <p:strVal val="#ppt_x"/>
+                                          </p:val>
+                                        </p:tav>
+                                      </p:tavLst>
+                                    </p:anim>
+                                    <p:anim calcmode="lin" valueType="num">
+                                      <p:cBhvr additive="base">
+                                        <p:cTn id="12" dur="500" fill="hold"/>
+                                        <p:tgtEl>
+                                          <p:spTgt spid="5">
+                                            <p:txEl>
+                                              <p:pRg st="1" end="1"/>
+                                            </p:txEl>
+                                          </p:spTgt>
+                                        </p:tgtEl>
+                                        <p:attrNameLst>
+                                          <p:attrName>ppt_y</p:attrName>
+                                        </p:attrNameLst>
+                                      </p:cBhvr>
+                                      <p:tavLst>
+                                        <p:tav tm="0">
+                                          <p:val>
+                                            <p:strVal val="1+#ppt_h/2"/>
+                                          </p:val>
+                                        </p:tav>
+                                        <p:tav tm="100000">
+                                          <p:val>
+                                            <p:strVal val="#ppt_y"/>
+                                          </p:val>
+                                        </p:tav>
+                                      </p:tavLst>
+                                    </p:anim>
+                                  </p:childTnLst>
+                                </p:cTn>
+                              </p:par>
+                            </p:childTnLst>
+                          </p:cTn>
+                        </p:par>
+                      </p:childTnLst>
+                    </p:cTn>
+                  </p:par>
+                </p:childTnLst>
+              </p:cTn>
+              <p:prevCondLst>
+                <p:cond evt="onPrev" delay="0">
+                  <p:tgtEl>
+                    <p:sldTgt/>
+                  </p:tgtEl>
+                </p:cond>
+              </p:prevCondLst>
+              <p:nextCondLst>
+                <p:cond evt="onNext" delay="0">
+                  <p:tgtEl>
+                    <p:sldTgt/>
+                  </p:tgtEl>
+                </p:cond>
+              </p:nextCondLst>
+            </p:seq>
+          </p:childTnLst>
+        </p:cTn>
+      </p:par>
+    </p:tnLst>
+  </p:timing>
+</p:sld>
+</file>
+
+<file path=ppt/slides/slide11.xml><?xml version="1.0" encoding="utf-8"?>
+<p:sld xmlns:a="http://schemas.openxmlformats.org/drawingml/2006/main" xmlns:r="http://schemas.openxmlformats.org/officeDocument/2006/relationships" xmlns:p="http://schemas.openxmlformats.org/presentationml/2006/main">
+  <p:cSld>
+    <p:spTree>
+      <p:nvGrpSpPr>
+        <p:cNvPr id="1" name=""/>
+        <p:cNvGrpSpPr/>
+        <p:nvPr/>
+      </p:nvGrpSpPr>
+      <p:grpSpPr>
+        <a:xfrm>
+          <a:off x="0" y="0"/>
+          <a:ext cx="0" cy="0"/>
+          <a:chOff x="0" y="0"/>
+          <a:chExt cx="0" cy="0"/>
+        </a:xfrm>
+      </p:grpSpPr>
+      <p:sp>
+        <p:nvSpPr>
+          <p:cNvPr id="2" name="文本框 1"/>
+          <p:cNvSpPr txBox="1"/>
+          <p:nvPr/>
+        </p:nvSpPr>
+        <p:spPr>
+          <a:xfrm>
+            <a:off x="1845277" y="1053184"/>
+            <a:ext cx="1550424" cy="584775"/>
+          </a:xfrm>
+          <a:prstGeom prst="rect">
+            <a:avLst/>
+          </a:prstGeom>
+          <a:noFill/>
+        </p:spPr>
+        <p:txBody>
+          <a:bodyPr wrap="none" rtlCol="0">
+            <a:spAutoFit/>
+          </a:bodyPr>
+          <a:lstStyle/>
+          <a:p>
+            <a:r>
+              <a:rPr lang="en-US" altLang="zh-CN" sz="3200" dirty="0">
+                <a:solidFill>
+                  <a:srgbClr val="FFC000"/>
+                </a:solidFill>
+                <a:latin typeface="Bernard MT Condensed" panose="02050806060905020404" pitchFamily="18" charset="0"/>
+              </a:rPr>
+              <a:t>EXAMPLE</a:t>
+            </a:r>
+            <a:endParaRPr lang="zh-CN" altLang="en-US" sz="3200" dirty="0">
+              <a:solidFill>
+                <a:srgbClr val="FFC000"/>
+              </a:solidFill>
+              <a:latin typeface="Bernard MT Condensed" panose="02050806060905020404" pitchFamily="18" charset="0"/>
+            </a:endParaRPr>
+          </a:p>
+        </p:txBody>
+      </p:sp>
+      <p:sp>
+        <p:nvSpPr>
+          <p:cNvPr id="3" name="文本框 2"/>
+          <p:cNvSpPr txBox="1"/>
+          <p:nvPr/>
+        </p:nvSpPr>
+        <p:spPr>
+          <a:xfrm>
+            <a:off x="1960606" y="1712099"/>
+            <a:ext cx="8058616" cy="4154984"/>
+          </a:xfrm>
+          <a:prstGeom prst="rect">
+            <a:avLst/>
+          </a:prstGeom>
+          <a:noFill/>
+        </p:spPr>
+        <p:txBody>
+          <a:bodyPr wrap="none" rtlCol="0">
+            <a:spAutoFit/>
+          </a:bodyPr>
+          <a:lstStyle/>
+          <a:p>
+            <a:r>
+              <a:rPr lang="en-US" altLang="zh-CN" sz="1200" dirty="0">
+                <a:latin typeface="Consolas" panose="020B0609020204030204" pitchFamily="49" charset="0"/>
+                <a:cs typeface="Consolas" panose="020B0609020204030204" pitchFamily="49" charset="0"/>
+              </a:rPr>
+              <a:t>	</a:t>
+            </a:r>
+            <a:r>
+              <a:rPr lang="en-US" altLang="zh-CN" sz="1200" dirty="0" err="1">
+                <a:solidFill>
+                  <a:srgbClr val="002060"/>
+                </a:solidFill>
+                <a:latin typeface="Consolas" panose="020B0609020204030204" pitchFamily="49" charset="0"/>
+                <a:cs typeface="Consolas" panose="020B0609020204030204" pitchFamily="49" charset="0"/>
+              </a:rPr>
+              <a:t>fhooked</a:t>
+            </a:r>
+            <a:r>
+              <a:rPr lang="zh-CN" altLang="en-US" sz="1200" dirty="0">
+                <a:solidFill>
+                  <a:srgbClr val="002060"/>
+                </a:solidFill>
+                <a:latin typeface="Consolas" panose="020B0609020204030204" pitchFamily="49" charset="0"/>
+                <a:cs typeface="Consolas" panose="020B0609020204030204" pitchFamily="49" charset="0"/>
+              </a:rPr>
+              <a:t>：</a:t>
+            </a:r>
+          </a:p>
+          <a:p>
+            <a:r>
+              <a:rPr lang="zh-CN" altLang="en-US" sz="1200" dirty="0">
+                <a:solidFill>
+                  <a:srgbClr val="002060"/>
+                </a:solidFill>
+                <a:latin typeface="Consolas" panose="020B0609020204030204" pitchFamily="49" charset="0"/>
+                <a:cs typeface="Consolas" panose="020B0609020204030204" pitchFamily="49" charset="0"/>
+              </a:rPr>
+              <a:t>	</a:t>
+            </a:r>
+            <a:r>
+              <a:rPr lang="en-US" altLang="zh-CN" sz="1200" dirty="0">
+                <a:solidFill>
+                  <a:srgbClr val="002060"/>
+                </a:solidFill>
+                <a:latin typeface="Consolas" panose="020B0609020204030204" pitchFamily="49" charset="0"/>
+                <a:cs typeface="Consolas" panose="020B0609020204030204" pitchFamily="49" charset="0"/>
+              </a:rPr>
+              <a:t>01FF0000 : ?? ?? ?? ??</a:t>
+            </a:r>
+          </a:p>
+          <a:p>
+            <a:r>
+              <a:rPr lang="en-US" altLang="zh-CN" sz="1200" dirty="0">
+                <a:solidFill>
+                  <a:srgbClr val="002060"/>
+                </a:solidFill>
+                <a:latin typeface="Consolas" panose="020B0609020204030204" pitchFamily="49" charset="0"/>
+                <a:cs typeface="Consolas" panose="020B0609020204030204" pitchFamily="49" charset="0"/>
+              </a:rPr>
+              <a:t>	01FF0004 : ?? ?? ?? ??</a:t>
+            </a:r>
+          </a:p>
+          <a:p>
+            <a:r>
+              <a:rPr lang="en-US" altLang="zh-CN" sz="1200" dirty="0">
+                <a:solidFill>
+                  <a:srgbClr val="002060"/>
+                </a:solidFill>
+                <a:latin typeface="Consolas" panose="020B0609020204030204" pitchFamily="49" charset="0"/>
+                <a:cs typeface="Consolas" panose="020B0609020204030204" pitchFamily="49" charset="0"/>
+              </a:rPr>
+              <a:t>	01FF0008 : ?? ?? ?? ??</a:t>
+            </a:r>
+          </a:p>
+          <a:p>
+            <a:r>
+              <a:rPr lang="en-US" altLang="zh-CN" sz="1200" dirty="0">
+                <a:solidFill>
+                  <a:srgbClr val="002060"/>
+                </a:solidFill>
+                <a:latin typeface="Consolas" panose="020B0609020204030204" pitchFamily="49" charset="0"/>
+                <a:cs typeface="Consolas" panose="020B0609020204030204" pitchFamily="49" charset="0"/>
+              </a:rPr>
+              <a:t>	...</a:t>
+            </a:r>
+          </a:p>
+          <a:p>
+            <a:endParaRPr lang="en-US" altLang="zh-CN" sz="1200" dirty="0">
+              <a:solidFill>
+                <a:srgbClr val="002060"/>
+              </a:solidFill>
+              <a:latin typeface="Consolas" panose="020B0609020204030204" pitchFamily="49" charset="0"/>
+              <a:cs typeface="Consolas" panose="020B0609020204030204" pitchFamily="49" charset="0"/>
+            </a:endParaRPr>
+          </a:p>
+          <a:p>
+            <a:r>
+              <a:rPr lang="en-US" altLang="zh-CN" sz="1200" dirty="0">
+                <a:solidFill>
+                  <a:srgbClr val="002060"/>
+                </a:solidFill>
+                <a:latin typeface="Consolas" panose="020B0609020204030204" pitchFamily="49" charset="0"/>
+                <a:cs typeface="Consolas" panose="020B0609020204030204" pitchFamily="49" charset="0"/>
+              </a:rPr>
+              <a:t>	</a:t>
+            </a:r>
+            <a:r>
+              <a:rPr lang="en-US" altLang="zh-CN" sz="1200" dirty="0" err="1">
+                <a:solidFill>
+                  <a:srgbClr val="002060"/>
+                </a:solidFill>
+                <a:latin typeface="Consolas" panose="020B0609020204030204" pitchFamily="49" charset="0"/>
+                <a:cs typeface="Consolas" panose="020B0609020204030204" pitchFamily="49" charset="0"/>
+              </a:rPr>
+              <a:t>fhook</a:t>
+            </a:r>
+            <a:r>
+              <a:rPr lang="en-US" altLang="zh-CN" sz="1200" dirty="0">
+                <a:solidFill>
+                  <a:srgbClr val="002060"/>
+                </a:solidFill>
+                <a:latin typeface="Consolas" panose="020B0609020204030204" pitchFamily="49" charset="0"/>
+                <a:cs typeface="Consolas" panose="020B0609020204030204" pitchFamily="49" charset="0"/>
+              </a:rPr>
+              <a:t>:</a:t>
+            </a:r>
+          </a:p>
+          <a:p>
+            <a:r>
+              <a:rPr lang="en-US" altLang="zh-CN" sz="1200" dirty="0">
+                <a:solidFill>
+                  <a:srgbClr val="002060"/>
+                </a:solidFill>
+                <a:latin typeface="Consolas" panose="020B0609020204030204" pitchFamily="49" charset="0"/>
+                <a:cs typeface="Consolas" panose="020B0609020204030204" pitchFamily="49" charset="0"/>
+              </a:rPr>
+              <a:t>	01FF00A0 : ?? ?? ?? ??</a:t>
+            </a:r>
+          </a:p>
+          <a:p>
+            <a:r>
+              <a:rPr lang="en-US" altLang="zh-CN" sz="1200" dirty="0">
+                <a:solidFill>
+                  <a:srgbClr val="002060"/>
+                </a:solidFill>
+                <a:latin typeface="Consolas" panose="020B0609020204030204" pitchFamily="49" charset="0"/>
+                <a:cs typeface="Consolas" panose="020B0609020204030204" pitchFamily="49" charset="0"/>
+              </a:rPr>
+              <a:t>	01FF00A4 : ?? ?? ?? ??</a:t>
+            </a:r>
+          </a:p>
+          <a:p>
+            <a:r>
+              <a:rPr lang="en-US" altLang="zh-CN" sz="1200" dirty="0">
+                <a:solidFill>
+                  <a:srgbClr val="002060"/>
+                </a:solidFill>
+                <a:latin typeface="Consolas" panose="020B0609020204030204" pitchFamily="49" charset="0"/>
+                <a:cs typeface="Consolas" panose="020B0609020204030204" pitchFamily="49" charset="0"/>
+              </a:rPr>
+              <a:t>	01FF00A8 : ?? ?? ?? ??</a:t>
+            </a:r>
+          </a:p>
+          <a:p>
+            <a:r>
+              <a:rPr lang="en-US" altLang="zh-CN" sz="1200" dirty="0">
+                <a:solidFill>
+                  <a:srgbClr val="002060"/>
+                </a:solidFill>
+                <a:latin typeface="Consolas" panose="020B0609020204030204" pitchFamily="49" charset="0"/>
+                <a:cs typeface="Consolas" panose="020B0609020204030204" pitchFamily="49" charset="0"/>
+              </a:rPr>
+              <a:t>	...</a:t>
+            </a:r>
+          </a:p>
+          <a:p>
+            <a:endParaRPr lang="en-US" altLang="zh-CN" sz="1200" dirty="0">
+              <a:solidFill>
+                <a:srgbClr val="002060"/>
+              </a:solidFill>
+              <a:latin typeface="Consolas" panose="020B0609020204030204" pitchFamily="49" charset="0"/>
+              <a:cs typeface="Consolas" panose="020B0609020204030204" pitchFamily="49" charset="0"/>
+            </a:endParaRPr>
+          </a:p>
+          <a:p>
+            <a:r>
+              <a:rPr lang="en-US" altLang="zh-CN" sz="1200" dirty="0">
+                <a:solidFill>
+                  <a:srgbClr val="002060"/>
+                </a:solidFill>
+                <a:latin typeface="Consolas" panose="020B0609020204030204" pitchFamily="49" charset="0"/>
+                <a:cs typeface="Consolas" panose="020B0609020204030204" pitchFamily="49" charset="0"/>
+              </a:rPr>
+              <a:t>	</a:t>
+            </a:r>
+            <a:r>
+              <a:rPr lang="en-US" altLang="zh-CN" sz="1200" dirty="0" err="1" smtClean="0">
+                <a:solidFill>
+                  <a:srgbClr val="002060"/>
+                </a:solidFill>
+                <a:latin typeface="Consolas" panose="020B0609020204030204" pitchFamily="49" charset="0"/>
+                <a:cs typeface="Consolas" panose="020B0609020204030204" pitchFamily="49" charset="0"/>
+              </a:rPr>
+              <a:t>relpalce</a:t>
+            </a:r>
+            <a:r>
+              <a:rPr lang="en-US" altLang="zh-CN" sz="1200" dirty="0" smtClean="0">
+                <a:solidFill>
+                  <a:srgbClr val="002060"/>
+                </a:solidFill>
+                <a:latin typeface="Consolas" panose="020B0609020204030204" pitchFamily="49" charset="0"/>
+                <a:cs typeface="Consolas" panose="020B0609020204030204" pitchFamily="49" charset="0"/>
+              </a:rPr>
+              <a:t> the first 5 bytes </a:t>
+            </a:r>
+            <a:r>
+              <a:rPr lang="en-US" altLang="zh-CN" sz="1200" dirty="0" err="1" smtClean="0">
+                <a:solidFill>
+                  <a:srgbClr val="002060"/>
+                </a:solidFill>
+                <a:latin typeface="Consolas" panose="020B0609020204030204" pitchFamily="49" charset="0"/>
+                <a:cs typeface="Consolas" panose="020B0609020204030204" pitchFamily="49" charset="0"/>
+              </a:rPr>
+              <a:t>fhooked</a:t>
+            </a:r>
+            <a:r>
+              <a:rPr lang="en-US" altLang="zh-CN" sz="1200" dirty="0" smtClean="0">
+                <a:solidFill>
+                  <a:srgbClr val="002060"/>
+                </a:solidFill>
+                <a:latin typeface="Consolas" panose="020B0609020204030204" pitchFamily="49" charset="0"/>
+                <a:cs typeface="Consolas" panose="020B0609020204030204" pitchFamily="49" charset="0"/>
+              </a:rPr>
+              <a:t> as </a:t>
+            </a:r>
+            <a:r>
+              <a:rPr lang="en-US" altLang="zh-CN" sz="1200" dirty="0" err="1" smtClean="0">
+                <a:solidFill>
+                  <a:srgbClr val="002060"/>
+                </a:solidFill>
+                <a:latin typeface="Consolas" panose="020B0609020204030204" pitchFamily="49" charset="0"/>
+                <a:cs typeface="Consolas" panose="020B0609020204030204" pitchFamily="49" charset="0"/>
+              </a:rPr>
+              <a:t>jmp</a:t>
+            </a:r>
+            <a:r>
+              <a:rPr lang="en-US" altLang="zh-CN" sz="1200" dirty="0" smtClean="0">
+                <a:solidFill>
+                  <a:srgbClr val="002060"/>
+                </a:solidFill>
+                <a:latin typeface="Consolas" panose="020B0609020204030204" pitchFamily="49" charset="0"/>
+                <a:cs typeface="Consolas" panose="020B0609020204030204" pitchFamily="49" charset="0"/>
+              </a:rPr>
+              <a:t>(E9 </a:t>
+            </a:r>
+            <a:r>
+              <a:rPr lang="en-US" altLang="zh-CN" sz="1200" dirty="0">
+                <a:solidFill>
+                  <a:srgbClr val="002060"/>
+                </a:solidFill>
+                <a:latin typeface="Consolas" panose="020B0609020204030204" pitchFamily="49" charset="0"/>
+                <a:cs typeface="Consolas" panose="020B0609020204030204" pitchFamily="49" charset="0"/>
+              </a:rPr>
+              <a:t>xx </a:t>
+            </a:r>
+            <a:r>
+              <a:rPr lang="en-US" altLang="zh-CN" sz="1200" dirty="0" err="1">
+                <a:solidFill>
+                  <a:srgbClr val="002060"/>
+                </a:solidFill>
+                <a:latin typeface="Consolas" panose="020B0609020204030204" pitchFamily="49" charset="0"/>
+                <a:cs typeface="Consolas" panose="020B0609020204030204" pitchFamily="49" charset="0"/>
+              </a:rPr>
+              <a:t>xx</a:t>
+            </a:r>
+            <a:r>
+              <a:rPr lang="en-US" altLang="zh-CN" sz="1200" dirty="0">
+                <a:solidFill>
+                  <a:srgbClr val="002060"/>
+                </a:solidFill>
+                <a:latin typeface="Consolas" panose="020B0609020204030204" pitchFamily="49" charset="0"/>
+                <a:cs typeface="Consolas" panose="020B0609020204030204" pitchFamily="49" charset="0"/>
+              </a:rPr>
+              <a:t> </a:t>
+            </a:r>
+            <a:r>
+              <a:rPr lang="en-US" altLang="zh-CN" sz="1200" dirty="0" err="1">
+                <a:solidFill>
+                  <a:srgbClr val="002060"/>
+                </a:solidFill>
+                <a:latin typeface="Consolas" panose="020B0609020204030204" pitchFamily="49" charset="0"/>
+                <a:cs typeface="Consolas" panose="020B0609020204030204" pitchFamily="49" charset="0"/>
+              </a:rPr>
+              <a:t>xx</a:t>
+            </a:r>
+            <a:r>
+              <a:rPr lang="en-US" altLang="zh-CN" sz="1200" dirty="0">
+                <a:solidFill>
+                  <a:srgbClr val="002060"/>
+                </a:solidFill>
+                <a:latin typeface="Consolas" panose="020B0609020204030204" pitchFamily="49" charset="0"/>
+                <a:cs typeface="Consolas" panose="020B0609020204030204" pitchFamily="49" charset="0"/>
+              </a:rPr>
+              <a:t> </a:t>
+            </a:r>
+            <a:r>
+              <a:rPr lang="en-US" altLang="zh-CN" sz="1200" dirty="0" smtClean="0">
+                <a:solidFill>
+                  <a:srgbClr val="002060"/>
+                </a:solidFill>
+                <a:latin typeface="Consolas" panose="020B0609020204030204" pitchFamily="49" charset="0"/>
+                <a:cs typeface="Consolas" panose="020B0609020204030204" pitchFamily="49" charset="0"/>
+              </a:rPr>
+              <a:t>xx),the content of </a:t>
+            </a:r>
+            <a:r>
+              <a:rPr lang="en-US" altLang="zh-CN" sz="1200" dirty="0" err="1" smtClean="0">
+                <a:solidFill>
+                  <a:srgbClr val="002060"/>
+                </a:solidFill>
+                <a:latin typeface="Consolas" panose="020B0609020204030204" pitchFamily="49" charset="0"/>
+                <a:cs typeface="Consolas" panose="020B0609020204030204" pitchFamily="49" charset="0"/>
+              </a:rPr>
+              <a:t>fhooked</a:t>
+            </a:r>
+            <a:r>
+              <a:rPr lang="zh-CN" altLang="en-US" sz="1200" dirty="0" smtClean="0">
+                <a:solidFill>
+                  <a:srgbClr val="002060"/>
+                </a:solidFill>
+                <a:latin typeface="Consolas" panose="020B0609020204030204" pitchFamily="49" charset="0"/>
+                <a:cs typeface="Consolas" panose="020B0609020204030204" pitchFamily="49" charset="0"/>
+              </a:rPr>
+              <a:t>：</a:t>
+            </a:r>
+            <a:endParaRPr lang="zh-CN" altLang="en-US" sz="1200" dirty="0">
+              <a:solidFill>
+                <a:srgbClr val="002060"/>
+              </a:solidFill>
+              <a:latin typeface="Consolas" panose="020B0609020204030204" pitchFamily="49" charset="0"/>
+              <a:cs typeface="Consolas" panose="020B0609020204030204" pitchFamily="49" charset="0"/>
+            </a:endParaRPr>
+          </a:p>
+          <a:p>
+            <a:r>
+              <a:rPr lang="zh-CN" altLang="en-US" sz="1200" dirty="0">
+                <a:solidFill>
+                  <a:srgbClr val="002060"/>
+                </a:solidFill>
+                <a:latin typeface="Consolas" panose="020B0609020204030204" pitchFamily="49" charset="0"/>
+                <a:cs typeface="Consolas" panose="020B0609020204030204" pitchFamily="49" charset="0"/>
+              </a:rPr>
+              <a:t>	</a:t>
+            </a:r>
+            <a:r>
+              <a:rPr lang="en-US" altLang="zh-CN" sz="1200" dirty="0" err="1">
+                <a:solidFill>
+                  <a:srgbClr val="002060"/>
+                </a:solidFill>
+                <a:latin typeface="Consolas" panose="020B0609020204030204" pitchFamily="49" charset="0"/>
+                <a:cs typeface="Consolas" panose="020B0609020204030204" pitchFamily="49" charset="0"/>
+              </a:rPr>
+              <a:t>fhooked</a:t>
+            </a:r>
+            <a:r>
+              <a:rPr lang="zh-CN" altLang="en-US" sz="1200" dirty="0">
+                <a:solidFill>
+                  <a:srgbClr val="002060"/>
+                </a:solidFill>
+                <a:latin typeface="Consolas" panose="020B0609020204030204" pitchFamily="49" charset="0"/>
+                <a:cs typeface="Consolas" panose="020B0609020204030204" pitchFamily="49" charset="0"/>
+              </a:rPr>
+              <a:t>：</a:t>
+            </a:r>
+          </a:p>
+          <a:p>
+            <a:r>
+              <a:rPr lang="zh-CN" altLang="en-US" sz="1200" dirty="0">
+                <a:solidFill>
+                  <a:srgbClr val="002060"/>
+                </a:solidFill>
+                <a:latin typeface="Consolas" panose="020B0609020204030204" pitchFamily="49" charset="0"/>
+                <a:cs typeface="Consolas" panose="020B0609020204030204" pitchFamily="49" charset="0"/>
+              </a:rPr>
+              <a:t>	</a:t>
+            </a:r>
+            <a:r>
+              <a:rPr lang="en-US" altLang="zh-CN" sz="1200" dirty="0">
+                <a:solidFill>
+                  <a:srgbClr val="002060"/>
+                </a:solidFill>
+                <a:latin typeface="Consolas" panose="020B0609020204030204" pitchFamily="49" charset="0"/>
+                <a:cs typeface="Consolas" panose="020B0609020204030204" pitchFamily="49" charset="0"/>
+              </a:rPr>
+              <a:t>01FF0000 : E9 xx </a:t>
+            </a:r>
+            <a:r>
+              <a:rPr lang="en-US" altLang="zh-CN" sz="1200" dirty="0" err="1">
+                <a:solidFill>
+                  <a:srgbClr val="002060"/>
+                </a:solidFill>
+                <a:latin typeface="Consolas" panose="020B0609020204030204" pitchFamily="49" charset="0"/>
+                <a:cs typeface="Consolas" panose="020B0609020204030204" pitchFamily="49" charset="0"/>
+              </a:rPr>
+              <a:t>xx</a:t>
+            </a:r>
+            <a:r>
+              <a:rPr lang="en-US" altLang="zh-CN" sz="1200" dirty="0">
+                <a:solidFill>
+                  <a:srgbClr val="002060"/>
+                </a:solidFill>
+                <a:latin typeface="Consolas" panose="020B0609020204030204" pitchFamily="49" charset="0"/>
+                <a:cs typeface="Consolas" panose="020B0609020204030204" pitchFamily="49" charset="0"/>
+              </a:rPr>
+              <a:t> </a:t>
+            </a:r>
+            <a:r>
+              <a:rPr lang="en-US" altLang="zh-CN" sz="1200" dirty="0" err="1">
+                <a:solidFill>
+                  <a:srgbClr val="002060"/>
+                </a:solidFill>
+                <a:latin typeface="Consolas" panose="020B0609020204030204" pitchFamily="49" charset="0"/>
+                <a:cs typeface="Consolas" panose="020B0609020204030204" pitchFamily="49" charset="0"/>
+              </a:rPr>
+              <a:t>xx</a:t>
+            </a:r>
+            <a:endParaRPr lang="en-US" altLang="zh-CN" sz="1200" dirty="0">
+              <a:solidFill>
+                <a:srgbClr val="002060"/>
+              </a:solidFill>
+              <a:latin typeface="Consolas" panose="020B0609020204030204" pitchFamily="49" charset="0"/>
+              <a:cs typeface="Consolas" panose="020B0609020204030204" pitchFamily="49" charset="0"/>
+            </a:endParaRPr>
+          </a:p>
+          <a:p>
+            <a:r>
+              <a:rPr lang="en-US" altLang="zh-CN" sz="1200" dirty="0">
+                <a:solidFill>
+                  <a:srgbClr val="002060"/>
+                </a:solidFill>
+                <a:latin typeface="Consolas" panose="020B0609020204030204" pitchFamily="49" charset="0"/>
+                <a:cs typeface="Consolas" panose="020B0609020204030204" pitchFamily="49" charset="0"/>
+              </a:rPr>
+              <a:t>	01FF0004 : xx ?? ?? ??	</a:t>
+            </a:r>
+          </a:p>
+          <a:p>
+            <a:r>
+              <a:rPr lang="en-US" altLang="zh-CN" sz="1200" dirty="0">
+                <a:solidFill>
+                  <a:srgbClr val="002060"/>
+                </a:solidFill>
+                <a:latin typeface="Consolas" panose="020B0609020204030204" pitchFamily="49" charset="0"/>
+                <a:cs typeface="Consolas" panose="020B0609020204030204" pitchFamily="49" charset="0"/>
+              </a:rPr>
+              <a:t>	01FF0008 : ?? ?? ?? ??</a:t>
+            </a:r>
+          </a:p>
+          <a:p>
+            <a:r>
+              <a:rPr lang="en-US" altLang="zh-CN" sz="1200" dirty="0">
+                <a:solidFill>
+                  <a:srgbClr val="002060"/>
+                </a:solidFill>
+                <a:latin typeface="Consolas" panose="020B0609020204030204" pitchFamily="49" charset="0"/>
+                <a:cs typeface="Consolas" panose="020B0609020204030204" pitchFamily="49" charset="0"/>
+              </a:rPr>
+              <a:t>	...</a:t>
+            </a:r>
+          </a:p>
+          <a:p>
+            <a:endParaRPr lang="en-US" altLang="zh-CN" sz="1200" dirty="0">
+              <a:solidFill>
+                <a:srgbClr val="002060"/>
+              </a:solidFill>
+              <a:latin typeface="Consolas" panose="020B0609020204030204" pitchFamily="49" charset="0"/>
+              <a:cs typeface="Consolas" panose="020B0609020204030204" pitchFamily="49" charset="0"/>
+            </a:endParaRPr>
+          </a:p>
+          <a:p>
+            <a:r>
+              <a:rPr lang="en-US" altLang="zh-CN" sz="1200" dirty="0">
+                <a:solidFill>
+                  <a:srgbClr val="002060"/>
+                </a:solidFill>
+                <a:latin typeface="Consolas" panose="020B0609020204030204" pitchFamily="49" charset="0"/>
+                <a:cs typeface="Consolas" panose="020B0609020204030204" pitchFamily="49" charset="0"/>
+              </a:rPr>
+              <a:t>	</a:t>
+            </a:r>
+            <a:r>
+              <a:rPr lang="en-US" altLang="zh-CN" sz="1200" dirty="0" smtClean="0">
+                <a:solidFill>
+                  <a:srgbClr val="002060"/>
+                </a:solidFill>
+                <a:latin typeface="Consolas" panose="020B0609020204030204" pitchFamily="49" charset="0"/>
+                <a:cs typeface="Consolas" panose="020B0609020204030204" pitchFamily="49" charset="0"/>
+              </a:rPr>
+              <a:t>satisfy :  01FF00A0 = PC + XXX</a:t>
+            </a:r>
+          </a:p>
+          <a:p>
+            <a:r>
+              <a:rPr lang="en-US" altLang="zh-CN" sz="1200" dirty="0">
+                <a:solidFill>
+                  <a:srgbClr val="002060"/>
+                </a:solidFill>
+                <a:latin typeface="Consolas" panose="020B0609020204030204" pitchFamily="49" charset="0"/>
+                <a:cs typeface="Consolas" panose="020B0609020204030204" pitchFamily="49" charset="0"/>
+              </a:rPr>
+              <a:t>	 </a:t>
+            </a:r>
+            <a:r>
+              <a:rPr lang="en-US" altLang="zh-CN" sz="1200" dirty="0" smtClean="0">
+                <a:solidFill>
+                  <a:srgbClr val="002060"/>
+                </a:solidFill>
+                <a:latin typeface="Consolas" panose="020B0609020204030204" pitchFamily="49" charset="0"/>
+                <a:cs typeface="Consolas" panose="020B0609020204030204" pitchFamily="49" charset="0"/>
+              </a:rPr>
+              <a:t>                PC = 01FF0000 + 5</a:t>
+            </a:r>
+            <a:endParaRPr lang="en-US" altLang="zh-CN" sz="1200" dirty="0">
+              <a:solidFill>
+                <a:srgbClr val="002060"/>
+              </a:solidFill>
+              <a:latin typeface="Consolas" panose="020B0609020204030204" pitchFamily="49" charset="0"/>
+              <a:cs typeface="Consolas" panose="020B0609020204030204" pitchFamily="49" charset="0"/>
+            </a:endParaRPr>
+          </a:p>
+          <a:p>
+            <a:r>
+              <a:rPr lang="en-US" altLang="zh-CN" sz="1200" dirty="0">
+                <a:solidFill>
+                  <a:srgbClr val="002060"/>
+                </a:solidFill>
+                <a:latin typeface="Consolas" panose="020B0609020204030204" pitchFamily="49" charset="0"/>
+                <a:cs typeface="Consolas" panose="020B0609020204030204" pitchFamily="49" charset="0"/>
+              </a:rPr>
+              <a:t>	</a:t>
+            </a:r>
+            <a:r>
+              <a:rPr lang="en-US" altLang="zh-CN" sz="1200" dirty="0" smtClean="0">
+                <a:solidFill>
+                  <a:srgbClr val="002060"/>
+                </a:solidFill>
+                <a:latin typeface="Consolas" panose="020B0609020204030204" pitchFamily="49" charset="0"/>
+                <a:cs typeface="Consolas" panose="020B0609020204030204" pitchFamily="49" charset="0"/>
+              </a:rPr>
+              <a:t>then the </a:t>
+            </a:r>
+            <a:r>
+              <a:rPr lang="en-US" altLang="zh-CN" sz="1200" dirty="0" err="1" smtClean="0">
+                <a:solidFill>
+                  <a:srgbClr val="002060"/>
+                </a:solidFill>
+                <a:latin typeface="Consolas" panose="020B0609020204030204" pitchFamily="49" charset="0"/>
+                <a:cs typeface="Consolas" panose="020B0609020204030204" pitchFamily="49" charset="0"/>
+              </a:rPr>
+              <a:t>addr</a:t>
+            </a:r>
+            <a:r>
+              <a:rPr lang="en-US" altLang="zh-CN" sz="1200" dirty="0" smtClean="0">
+                <a:solidFill>
+                  <a:srgbClr val="002060"/>
+                </a:solidFill>
+                <a:latin typeface="Consolas" panose="020B0609020204030204" pitchFamily="49" charset="0"/>
+                <a:cs typeface="Consolas" panose="020B0609020204030204" pitchFamily="49" charset="0"/>
+              </a:rPr>
+              <a:t> : XXX = </a:t>
+            </a:r>
+            <a:r>
+              <a:rPr lang="en-US" altLang="zh-CN" sz="1200" dirty="0">
+                <a:solidFill>
+                  <a:srgbClr val="002060"/>
+                </a:solidFill>
+                <a:latin typeface="Consolas" panose="020B0609020204030204" pitchFamily="49" charset="0"/>
+                <a:cs typeface="Consolas" panose="020B0609020204030204" pitchFamily="49" charset="0"/>
+              </a:rPr>
+              <a:t>01FF00A0 - 01FF0000 - 5</a:t>
+            </a:r>
+            <a:endParaRPr lang="zh-CN" altLang="en-US" sz="1200" dirty="0">
+              <a:solidFill>
+                <a:srgbClr val="002060"/>
+              </a:solidFill>
+              <a:latin typeface="Consolas" panose="020B0609020204030204" pitchFamily="49" charset="0"/>
+              <a:cs typeface="Consolas" panose="020B0609020204030204" pitchFamily="49" charset="0"/>
+            </a:endParaRPr>
+          </a:p>
+        </p:txBody>
+      </p:sp>
+    </p:spTree>
+    <p:extLst>
+      <p:ext uri="{BB962C8B-B14F-4D97-AF65-F5344CB8AC3E}">
+        <p14:creationId xmlns:p14="http://schemas.microsoft.com/office/powerpoint/2010/main" val="1539179377"/>
+      </p:ext>
+    </p:extLst>
+  </p:cSld>
+  <p:clrMapOvr>
+    <a:masterClrMapping/>
+  </p:clrMapOvr>
+  <mc:AlternateContent xmlns:mc="http://schemas.openxmlformats.org/markup-compatibility/2006">
+    <mc:Choice xmlns:p14="http://schemas.microsoft.com/office/powerpoint/2010/main" Requires="p14">
+      <p:transition spd="slow" p14:dur="1500">
+        <p:random/>
+      </p:transition>
+    </mc:Choice>
+    <mc:Fallback>
+      <p:transition spd="slow">
+        <p:random/>
+      </p:transition>
+    </mc:Fallback>
+  </mc:AlternateContent>
+  <p:timing>
+    <p:tnLst>
+      <p:par>
+        <p:cTn id="1" dur="indefinite" restart="never" nodeType="tmRoot"/>
+      </p:par>
+    </p:tnLst>
+  </p:timing>
+</p:sld>
+</file>
+
+<file path=ppt/slides/slide12.xml><?xml version="1.0" encoding="utf-8"?>
+<p:sld xmlns:a="http://schemas.openxmlformats.org/drawingml/2006/main" xmlns:r="http://schemas.openxmlformats.org/officeDocument/2006/relationships" xmlns:p="http://schemas.openxmlformats.org/presentationml/2006/main">
+  <p:cSld>
+    <p:spTree>
+      <p:nvGrpSpPr>
+        <p:cNvPr id="1" name=""/>
+        <p:cNvGrpSpPr/>
+        <p:nvPr/>
+      </p:nvGrpSpPr>
+      <p:grpSpPr>
+        <a:xfrm>
+          <a:off x="0" y="0"/>
+          <a:ext cx="0" cy="0"/>
+          <a:chOff x="0" y="0"/>
+          <a:chExt cx="0" cy="0"/>
+        </a:xfrm>
+      </p:grpSpPr>
+      <p:sp>
+        <p:nvSpPr>
+          <p:cNvPr id="2" name="文本框 1"/>
+          <p:cNvSpPr txBox="1"/>
+          <p:nvPr/>
+        </p:nvSpPr>
+        <p:spPr>
+          <a:xfrm>
+            <a:off x="1103870" y="1369544"/>
+            <a:ext cx="5673348" cy="4247317"/>
+          </a:xfrm>
+          <a:prstGeom prst="rect">
+            <a:avLst/>
+          </a:prstGeom>
+          <a:noFill/>
+          <a:ln>
+            <a:solidFill>
+              <a:schemeClr val="bg1"/>
+            </a:solidFill>
+          </a:ln>
+        </p:spPr>
+        <p:txBody>
+          <a:bodyPr wrap="none" rtlCol="0">
+            <a:spAutoFit/>
+          </a:bodyPr>
+          <a:lstStyle/>
+          <a:p>
+            <a:r>
+              <a:rPr lang="en-US" altLang="zh-CN" dirty="0" smtClean="0">
+                <a:solidFill>
+                  <a:srgbClr val="002060"/>
+                </a:solidFill>
+                <a:latin typeface="Cordia New" panose="020B0304020202020204" pitchFamily="34" charset="-34"/>
+                <a:cs typeface="Cordia New" panose="020B0304020202020204" pitchFamily="34" charset="-34"/>
+              </a:rPr>
+              <a:t>The content of allocation:</a:t>
+            </a:r>
+            <a:endParaRPr lang="zh-CN" altLang="en-US" dirty="0" smtClean="0">
+              <a:solidFill>
+                <a:srgbClr val="002060"/>
+              </a:solidFill>
+              <a:latin typeface="Cordia New" panose="020B0304020202020204" pitchFamily="34" charset="-34"/>
+              <a:cs typeface="Cordia New" panose="020B0304020202020204" pitchFamily="34" charset="-34"/>
+            </a:endParaRPr>
+          </a:p>
+          <a:p>
+            <a:r>
+              <a:rPr lang="en-US" altLang="zh-CN" dirty="0" smtClean="0">
+                <a:solidFill>
+                  <a:srgbClr val="002060"/>
+                </a:solidFill>
+                <a:latin typeface="Cordia New" panose="020B0304020202020204" pitchFamily="34" charset="-34"/>
+                <a:cs typeface="Cordia New" panose="020B0304020202020204" pitchFamily="34" charset="-34"/>
+              </a:rPr>
+              <a:t>03420000 </a:t>
+            </a:r>
+            <a:r>
+              <a:rPr lang="en-US" altLang="zh-CN" dirty="0">
+                <a:solidFill>
+                  <a:srgbClr val="002060"/>
+                </a:solidFill>
+                <a:latin typeface="Cordia New" panose="020B0304020202020204" pitchFamily="34" charset="-34"/>
+                <a:cs typeface="Cordia New" panose="020B0304020202020204" pitchFamily="34" charset="-34"/>
+              </a:rPr>
+              <a:t>- 50                    </a:t>
+            </a:r>
+            <a:r>
+              <a:rPr lang="en-US" altLang="zh-CN" dirty="0" smtClean="0">
+                <a:solidFill>
+                  <a:srgbClr val="002060"/>
+                </a:solidFill>
+                <a:latin typeface="Cordia New" panose="020B0304020202020204" pitchFamily="34" charset="-34"/>
+                <a:cs typeface="Cordia New" panose="020B0304020202020204" pitchFamily="34" charset="-34"/>
+              </a:rPr>
+              <a:t>    - </a:t>
+            </a:r>
+            <a:r>
+              <a:rPr lang="en-US" altLang="zh-CN" dirty="0">
+                <a:solidFill>
+                  <a:srgbClr val="002060"/>
+                </a:solidFill>
+                <a:latin typeface="Cordia New" panose="020B0304020202020204" pitchFamily="34" charset="-34"/>
+                <a:cs typeface="Cordia New" panose="020B0304020202020204" pitchFamily="34" charset="-34"/>
+              </a:rPr>
+              <a:t>push </a:t>
+            </a:r>
+            <a:r>
+              <a:rPr lang="en-US" altLang="zh-CN" dirty="0" err="1">
+                <a:solidFill>
+                  <a:srgbClr val="002060"/>
+                </a:solidFill>
+                <a:latin typeface="Cordia New" panose="020B0304020202020204" pitchFamily="34" charset="-34"/>
+                <a:cs typeface="Cordia New" panose="020B0304020202020204" pitchFamily="34" charset="-34"/>
+              </a:rPr>
+              <a:t>eax</a:t>
+            </a:r>
+            <a:endParaRPr lang="en-US" altLang="zh-CN" dirty="0">
+              <a:solidFill>
+                <a:srgbClr val="002060"/>
+              </a:solidFill>
+              <a:latin typeface="Cordia New" panose="020B0304020202020204" pitchFamily="34" charset="-34"/>
+              <a:cs typeface="Cordia New" panose="020B0304020202020204" pitchFamily="34" charset="-34"/>
+            </a:endParaRPr>
+          </a:p>
+          <a:p>
+            <a:r>
+              <a:rPr lang="en-US" altLang="zh-CN" dirty="0">
+                <a:solidFill>
+                  <a:srgbClr val="002060"/>
+                </a:solidFill>
+                <a:latin typeface="Cordia New" panose="020B0304020202020204" pitchFamily="34" charset="-34"/>
+                <a:cs typeface="Cordia New" panose="020B0304020202020204" pitchFamily="34" charset="-34"/>
+              </a:rPr>
+              <a:t>03420001 - 51                    </a:t>
+            </a:r>
+            <a:r>
+              <a:rPr lang="en-US" altLang="zh-CN" dirty="0" smtClean="0">
+                <a:solidFill>
+                  <a:srgbClr val="002060"/>
+                </a:solidFill>
+                <a:latin typeface="Cordia New" panose="020B0304020202020204" pitchFamily="34" charset="-34"/>
+                <a:cs typeface="Cordia New" panose="020B0304020202020204" pitchFamily="34" charset="-34"/>
+              </a:rPr>
+              <a:t>    - </a:t>
+            </a:r>
+            <a:r>
+              <a:rPr lang="en-US" altLang="zh-CN" dirty="0">
+                <a:solidFill>
+                  <a:srgbClr val="002060"/>
+                </a:solidFill>
+                <a:latin typeface="Cordia New" panose="020B0304020202020204" pitchFamily="34" charset="-34"/>
+                <a:cs typeface="Cordia New" panose="020B0304020202020204" pitchFamily="34" charset="-34"/>
+              </a:rPr>
+              <a:t>push </a:t>
+            </a:r>
+            <a:r>
+              <a:rPr lang="en-US" altLang="zh-CN" dirty="0" err="1">
+                <a:solidFill>
+                  <a:srgbClr val="002060"/>
+                </a:solidFill>
+                <a:latin typeface="Cordia New" panose="020B0304020202020204" pitchFamily="34" charset="-34"/>
+                <a:cs typeface="Cordia New" panose="020B0304020202020204" pitchFamily="34" charset="-34"/>
+              </a:rPr>
+              <a:t>ecx</a:t>
+            </a:r>
+            <a:endParaRPr lang="en-US" altLang="zh-CN" dirty="0">
+              <a:solidFill>
+                <a:srgbClr val="002060"/>
+              </a:solidFill>
+              <a:latin typeface="Cordia New" panose="020B0304020202020204" pitchFamily="34" charset="-34"/>
+              <a:cs typeface="Cordia New" panose="020B0304020202020204" pitchFamily="34" charset="-34"/>
+            </a:endParaRPr>
+          </a:p>
+          <a:p>
+            <a:r>
+              <a:rPr lang="en-US" altLang="zh-CN" dirty="0">
+                <a:solidFill>
+                  <a:srgbClr val="002060"/>
+                </a:solidFill>
+                <a:latin typeface="Cordia New" panose="020B0304020202020204" pitchFamily="34" charset="-34"/>
+                <a:cs typeface="Cordia New" panose="020B0304020202020204" pitchFamily="34" charset="-34"/>
+              </a:rPr>
+              <a:t>03420002 - A1 749B5000      </a:t>
+            </a:r>
+            <a:r>
+              <a:rPr lang="en-US" altLang="zh-CN" dirty="0" smtClean="0">
+                <a:solidFill>
+                  <a:srgbClr val="002060"/>
+                </a:solidFill>
+                <a:latin typeface="Cordia New" panose="020B0304020202020204" pitchFamily="34" charset="-34"/>
+                <a:cs typeface="Cordia New" panose="020B0304020202020204" pitchFamily="34" charset="-34"/>
+              </a:rPr>
+              <a:t>- </a:t>
+            </a:r>
+            <a:r>
+              <a:rPr lang="en-US" altLang="zh-CN" dirty="0" err="1">
+                <a:solidFill>
+                  <a:srgbClr val="002060"/>
+                </a:solidFill>
+                <a:latin typeface="Cordia New" panose="020B0304020202020204" pitchFamily="34" charset="-34"/>
+                <a:cs typeface="Cordia New" panose="020B0304020202020204" pitchFamily="34" charset="-34"/>
+              </a:rPr>
+              <a:t>mov</a:t>
+            </a:r>
+            <a:r>
+              <a:rPr lang="en-US" altLang="zh-CN" dirty="0">
+                <a:solidFill>
+                  <a:srgbClr val="002060"/>
+                </a:solidFill>
+                <a:latin typeface="Cordia New" panose="020B0304020202020204" pitchFamily="34" charset="-34"/>
+                <a:cs typeface="Cordia New" panose="020B0304020202020204" pitchFamily="34" charset="-34"/>
+              </a:rPr>
+              <a:t> </a:t>
+            </a:r>
+            <a:r>
+              <a:rPr lang="en-US" altLang="zh-CN" dirty="0" err="1">
+                <a:solidFill>
+                  <a:srgbClr val="002060"/>
+                </a:solidFill>
+                <a:latin typeface="Cordia New" panose="020B0304020202020204" pitchFamily="34" charset="-34"/>
+                <a:cs typeface="Cordia New" panose="020B0304020202020204" pitchFamily="34" charset="-34"/>
+              </a:rPr>
+              <a:t>eax</a:t>
+            </a:r>
+            <a:r>
+              <a:rPr lang="en-US" altLang="zh-CN" dirty="0">
+                <a:solidFill>
+                  <a:srgbClr val="002060"/>
+                </a:solidFill>
+                <a:latin typeface="Cordia New" panose="020B0304020202020204" pitchFamily="34" charset="-34"/>
+                <a:cs typeface="Cordia New" panose="020B0304020202020204" pitchFamily="34" charset="-34"/>
+              </a:rPr>
+              <a:t>,[ac_client.exe+109B74] { [005287C0] }</a:t>
+            </a:r>
+          </a:p>
+          <a:p>
+            <a:r>
+              <a:rPr lang="en-US" altLang="zh-CN" dirty="0">
+                <a:solidFill>
+                  <a:srgbClr val="002060"/>
+                </a:solidFill>
+                <a:latin typeface="Cordia New" panose="020B0304020202020204" pitchFamily="34" charset="-34"/>
+                <a:cs typeface="Cordia New" panose="020B0304020202020204" pitchFamily="34" charset="-34"/>
+              </a:rPr>
+              <a:t>03420007 - 05 F8000000       </a:t>
+            </a:r>
+            <a:r>
+              <a:rPr lang="en-US" altLang="zh-CN" dirty="0" smtClean="0">
+                <a:solidFill>
+                  <a:srgbClr val="002060"/>
+                </a:solidFill>
+                <a:latin typeface="Cordia New" panose="020B0304020202020204" pitchFamily="34" charset="-34"/>
+                <a:cs typeface="Cordia New" panose="020B0304020202020204" pitchFamily="34" charset="-34"/>
+              </a:rPr>
+              <a:t>- </a:t>
+            </a:r>
+            <a:r>
+              <a:rPr lang="en-US" altLang="zh-CN" dirty="0">
+                <a:solidFill>
+                  <a:srgbClr val="002060"/>
+                </a:solidFill>
+                <a:latin typeface="Cordia New" panose="020B0304020202020204" pitchFamily="34" charset="-34"/>
+                <a:cs typeface="Cordia New" panose="020B0304020202020204" pitchFamily="34" charset="-34"/>
+              </a:rPr>
+              <a:t>add eax,000000F8 { 248 }</a:t>
+            </a:r>
+          </a:p>
+          <a:p>
+            <a:r>
+              <a:rPr lang="en-US" altLang="zh-CN" dirty="0">
+                <a:solidFill>
+                  <a:srgbClr val="002060"/>
+                </a:solidFill>
+                <a:latin typeface="Cordia New" panose="020B0304020202020204" pitchFamily="34" charset="-34"/>
+                <a:cs typeface="Cordia New" panose="020B0304020202020204" pitchFamily="34" charset="-34"/>
+              </a:rPr>
+              <a:t>0342000C - 8B CB                 - </a:t>
+            </a:r>
+            <a:r>
+              <a:rPr lang="en-US" altLang="zh-CN" dirty="0" err="1">
+                <a:solidFill>
+                  <a:srgbClr val="002060"/>
+                </a:solidFill>
+                <a:latin typeface="Cordia New" panose="020B0304020202020204" pitchFamily="34" charset="-34"/>
+                <a:cs typeface="Cordia New" panose="020B0304020202020204" pitchFamily="34" charset="-34"/>
+              </a:rPr>
+              <a:t>mov</a:t>
+            </a:r>
+            <a:r>
+              <a:rPr lang="en-US" altLang="zh-CN" dirty="0">
+                <a:solidFill>
+                  <a:srgbClr val="002060"/>
+                </a:solidFill>
+                <a:latin typeface="Cordia New" panose="020B0304020202020204" pitchFamily="34" charset="-34"/>
+                <a:cs typeface="Cordia New" panose="020B0304020202020204" pitchFamily="34" charset="-34"/>
+              </a:rPr>
+              <a:t> </a:t>
+            </a:r>
+            <a:r>
+              <a:rPr lang="en-US" altLang="zh-CN" dirty="0" err="1">
+                <a:solidFill>
+                  <a:srgbClr val="002060"/>
+                </a:solidFill>
+                <a:latin typeface="Cordia New" panose="020B0304020202020204" pitchFamily="34" charset="-34"/>
+                <a:cs typeface="Cordia New" panose="020B0304020202020204" pitchFamily="34" charset="-34"/>
+              </a:rPr>
+              <a:t>ecx,ebx</a:t>
+            </a:r>
+            <a:endParaRPr lang="en-US" altLang="zh-CN" dirty="0">
+              <a:solidFill>
+                <a:srgbClr val="002060"/>
+              </a:solidFill>
+              <a:latin typeface="Cordia New" panose="020B0304020202020204" pitchFamily="34" charset="-34"/>
+              <a:cs typeface="Cordia New" panose="020B0304020202020204" pitchFamily="34" charset="-34"/>
+            </a:endParaRPr>
+          </a:p>
+          <a:p>
+            <a:r>
+              <a:rPr lang="en-US" altLang="zh-CN" dirty="0">
+                <a:solidFill>
+                  <a:srgbClr val="002060"/>
+                </a:solidFill>
+                <a:latin typeface="Cordia New" panose="020B0304020202020204" pitchFamily="34" charset="-34"/>
+                <a:cs typeface="Cordia New" panose="020B0304020202020204" pitchFamily="34" charset="-34"/>
+              </a:rPr>
+              <a:t>0342000E - 83 C1 04             </a:t>
+            </a:r>
+            <a:r>
+              <a:rPr lang="en-US" altLang="zh-CN" dirty="0" smtClean="0">
+                <a:solidFill>
+                  <a:srgbClr val="002060"/>
+                </a:solidFill>
+                <a:latin typeface="Cordia New" panose="020B0304020202020204" pitchFamily="34" charset="-34"/>
+                <a:cs typeface="Cordia New" panose="020B0304020202020204" pitchFamily="34" charset="-34"/>
+              </a:rPr>
+              <a:t>- </a:t>
+            </a:r>
+            <a:r>
+              <a:rPr lang="en-US" altLang="zh-CN" dirty="0">
+                <a:solidFill>
+                  <a:srgbClr val="002060"/>
+                </a:solidFill>
+                <a:latin typeface="Cordia New" panose="020B0304020202020204" pitchFamily="34" charset="-34"/>
+                <a:cs typeface="Cordia New" panose="020B0304020202020204" pitchFamily="34" charset="-34"/>
+              </a:rPr>
+              <a:t>add ecx,04 { 4 }</a:t>
+            </a:r>
+          </a:p>
+          <a:p>
+            <a:r>
+              <a:rPr lang="en-US" altLang="zh-CN" dirty="0">
+                <a:solidFill>
+                  <a:srgbClr val="002060"/>
+                </a:solidFill>
+                <a:latin typeface="Cordia New" panose="020B0304020202020204" pitchFamily="34" charset="-34"/>
+                <a:cs typeface="Cordia New" panose="020B0304020202020204" pitchFamily="34" charset="-34"/>
+              </a:rPr>
+              <a:t>03420011 - 39 C8                 </a:t>
+            </a:r>
+            <a:r>
+              <a:rPr lang="en-US" altLang="zh-CN" dirty="0" smtClean="0">
+                <a:solidFill>
+                  <a:srgbClr val="002060"/>
+                </a:solidFill>
+                <a:latin typeface="Cordia New" panose="020B0304020202020204" pitchFamily="34" charset="-34"/>
+                <a:cs typeface="Cordia New" panose="020B0304020202020204" pitchFamily="34" charset="-34"/>
+              </a:rPr>
+              <a:t> - </a:t>
+            </a:r>
+            <a:r>
+              <a:rPr lang="en-US" altLang="zh-CN" dirty="0" err="1">
+                <a:solidFill>
+                  <a:srgbClr val="002060"/>
+                </a:solidFill>
+                <a:latin typeface="Cordia New" panose="020B0304020202020204" pitchFamily="34" charset="-34"/>
+                <a:cs typeface="Cordia New" panose="020B0304020202020204" pitchFamily="34" charset="-34"/>
+              </a:rPr>
+              <a:t>cmp</a:t>
+            </a:r>
+            <a:r>
+              <a:rPr lang="en-US" altLang="zh-CN" dirty="0">
+                <a:solidFill>
+                  <a:srgbClr val="002060"/>
+                </a:solidFill>
+                <a:latin typeface="Cordia New" panose="020B0304020202020204" pitchFamily="34" charset="-34"/>
+                <a:cs typeface="Cordia New" panose="020B0304020202020204" pitchFamily="34" charset="-34"/>
+              </a:rPr>
+              <a:t> </a:t>
+            </a:r>
+            <a:r>
+              <a:rPr lang="en-US" altLang="zh-CN" dirty="0" err="1">
+                <a:solidFill>
+                  <a:srgbClr val="002060"/>
+                </a:solidFill>
+                <a:latin typeface="Cordia New" panose="020B0304020202020204" pitchFamily="34" charset="-34"/>
+                <a:cs typeface="Cordia New" panose="020B0304020202020204" pitchFamily="34" charset="-34"/>
+              </a:rPr>
+              <a:t>eax,ecx</a:t>
+            </a:r>
+            <a:endParaRPr lang="en-US" altLang="zh-CN" dirty="0">
+              <a:solidFill>
+                <a:srgbClr val="002060"/>
+              </a:solidFill>
+              <a:latin typeface="Cordia New" panose="020B0304020202020204" pitchFamily="34" charset="-34"/>
+              <a:cs typeface="Cordia New" panose="020B0304020202020204" pitchFamily="34" charset="-34"/>
+            </a:endParaRPr>
+          </a:p>
+          <a:p>
+            <a:r>
+              <a:rPr lang="en-US" altLang="zh-CN" dirty="0">
+                <a:solidFill>
+                  <a:srgbClr val="002060"/>
+                </a:solidFill>
+                <a:latin typeface="Cordia New" panose="020B0304020202020204" pitchFamily="34" charset="-34"/>
+                <a:cs typeface="Cordia New" panose="020B0304020202020204" pitchFamily="34" charset="-34"/>
+              </a:rPr>
+              <a:t>03420013 - 59                    </a:t>
+            </a:r>
+            <a:r>
+              <a:rPr lang="en-US" altLang="zh-CN" dirty="0" smtClean="0">
+                <a:solidFill>
+                  <a:srgbClr val="002060"/>
+                </a:solidFill>
+                <a:latin typeface="Cordia New" panose="020B0304020202020204" pitchFamily="34" charset="-34"/>
+                <a:cs typeface="Cordia New" panose="020B0304020202020204" pitchFamily="34" charset="-34"/>
+              </a:rPr>
+              <a:t>    - </a:t>
+            </a:r>
+            <a:r>
+              <a:rPr lang="en-US" altLang="zh-CN" dirty="0">
+                <a:solidFill>
+                  <a:srgbClr val="002060"/>
+                </a:solidFill>
+                <a:latin typeface="Cordia New" panose="020B0304020202020204" pitchFamily="34" charset="-34"/>
+                <a:cs typeface="Cordia New" panose="020B0304020202020204" pitchFamily="34" charset="-34"/>
+              </a:rPr>
+              <a:t>pop </a:t>
+            </a:r>
+            <a:r>
+              <a:rPr lang="en-US" altLang="zh-CN" dirty="0" err="1">
+                <a:solidFill>
+                  <a:srgbClr val="002060"/>
+                </a:solidFill>
+                <a:latin typeface="Cordia New" panose="020B0304020202020204" pitchFamily="34" charset="-34"/>
+                <a:cs typeface="Cordia New" panose="020B0304020202020204" pitchFamily="34" charset="-34"/>
+              </a:rPr>
+              <a:t>ecx</a:t>
+            </a:r>
+            <a:endParaRPr lang="en-US" altLang="zh-CN" dirty="0">
+              <a:solidFill>
+                <a:srgbClr val="002060"/>
+              </a:solidFill>
+              <a:latin typeface="Cordia New" panose="020B0304020202020204" pitchFamily="34" charset="-34"/>
+              <a:cs typeface="Cordia New" panose="020B0304020202020204" pitchFamily="34" charset="-34"/>
+            </a:endParaRPr>
+          </a:p>
+          <a:p>
+            <a:r>
+              <a:rPr lang="en-US" altLang="zh-CN" dirty="0">
+                <a:solidFill>
+                  <a:srgbClr val="002060"/>
+                </a:solidFill>
+                <a:latin typeface="Cordia New" panose="020B0304020202020204" pitchFamily="34" charset="-34"/>
+                <a:cs typeface="Cordia New" panose="020B0304020202020204" pitchFamily="34" charset="-34"/>
+              </a:rPr>
+              <a:t>03420014 - 58                    </a:t>
+            </a:r>
+            <a:r>
+              <a:rPr lang="en-US" altLang="zh-CN" dirty="0" smtClean="0">
+                <a:solidFill>
+                  <a:srgbClr val="002060"/>
+                </a:solidFill>
+                <a:latin typeface="Cordia New" panose="020B0304020202020204" pitchFamily="34" charset="-34"/>
+                <a:cs typeface="Cordia New" panose="020B0304020202020204" pitchFamily="34" charset="-34"/>
+              </a:rPr>
+              <a:t>    - </a:t>
+            </a:r>
+            <a:r>
+              <a:rPr lang="en-US" altLang="zh-CN" dirty="0">
+                <a:solidFill>
+                  <a:srgbClr val="002060"/>
+                </a:solidFill>
+                <a:latin typeface="Cordia New" panose="020B0304020202020204" pitchFamily="34" charset="-34"/>
+                <a:cs typeface="Cordia New" panose="020B0304020202020204" pitchFamily="34" charset="-34"/>
+              </a:rPr>
+              <a:t>pop </a:t>
+            </a:r>
+            <a:r>
+              <a:rPr lang="en-US" altLang="zh-CN" dirty="0" err="1">
+                <a:solidFill>
+                  <a:srgbClr val="002060"/>
+                </a:solidFill>
+                <a:latin typeface="Cordia New" panose="020B0304020202020204" pitchFamily="34" charset="-34"/>
+                <a:cs typeface="Cordia New" panose="020B0304020202020204" pitchFamily="34" charset="-34"/>
+              </a:rPr>
+              <a:t>eax</a:t>
+            </a:r>
+            <a:endParaRPr lang="en-US" altLang="zh-CN" dirty="0">
+              <a:solidFill>
+                <a:srgbClr val="002060"/>
+              </a:solidFill>
+              <a:latin typeface="Cordia New" panose="020B0304020202020204" pitchFamily="34" charset="-34"/>
+              <a:cs typeface="Cordia New" panose="020B0304020202020204" pitchFamily="34" charset="-34"/>
+            </a:endParaRPr>
+          </a:p>
+          <a:p>
+            <a:r>
+              <a:rPr lang="en-US" altLang="zh-CN" dirty="0">
+                <a:solidFill>
+                  <a:srgbClr val="002060"/>
+                </a:solidFill>
+                <a:latin typeface="Cordia New" panose="020B0304020202020204" pitchFamily="34" charset="-34"/>
+                <a:cs typeface="Cordia New" panose="020B0304020202020204" pitchFamily="34" charset="-34"/>
+              </a:rPr>
+              <a:t>03420015 - 0F85 05000000   </a:t>
+            </a:r>
+            <a:r>
+              <a:rPr lang="en-US" altLang="zh-CN" dirty="0" smtClean="0">
+                <a:solidFill>
+                  <a:srgbClr val="002060"/>
+                </a:solidFill>
+                <a:latin typeface="Cordia New" panose="020B0304020202020204" pitchFamily="34" charset="-34"/>
+                <a:cs typeface="Cordia New" panose="020B0304020202020204" pitchFamily="34" charset="-34"/>
+              </a:rPr>
+              <a:t>- </a:t>
+            </a:r>
+            <a:r>
+              <a:rPr lang="en-US" altLang="zh-CN" dirty="0" err="1">
+                <a:solidFill>
+                  <a:srgbClr val="002060"/>
+                </a:solidFill>
+                <a:latin typeface="Cordia New" panose="020B0304020202020204" pitchFamily="34" charset="-34"/>
+                <a:cs typeface="Cordia New" panose="020B0304020202020204" pitchFamily="34" charset="-34"/>
+              </a:rPr>
+              <a:t>jne</a:t>
+            </a:r>
+            <a:r>
+              <a:rPr lang="en-US" altLang="zh-CN" dirty="0">
+                <a:solidFill>
+                  <a:srgbClr val="002060"/>
+                </a:solidFill>
+                <a:latin typeface="Cordia New" panose="020B0304020202020204" pitchFamily="34" charset="-34"/>
+                <a:cs typeface="Cordia New" panose="020B0304020202020204" pitchFamily="34" charset="-34"/>
+              </a:rPr>
+              <a:t> 03420020</a:t>
+            </a:r>
+          </a:p>
+          <a:p>
+            <a:r>
+              <a:rPr lang="en-US" altLang="zh-CN" dirty="0">
+                <a:solidFill>
+                  <a:srgbClr val="002060"/>
+                </a:solidFill>
+                <a:latin typeface="Cordia New" panose="020B0304020202020204" pitchFamily="34" charset="-34"/>
+                <a:cs typeface="Cordia New" panose="020B0304020202020204" pitchFamily="34" charset="-34"/>
+              </a:rPr>
+              <a:t>0342001B - BF 00000000      </a:t>
+            </a:r>
+            <a:r>
+              <a:rPr lang="en-US" altLang="zh-CN" dirty="0" smtClean="0">
+                <a:solidFill>
+                  <a:srgbClr val="002060"/>
+                </a:solidFill>
+                <a:latin typeface="Cordia New" panose="020B0304020202020204" pitchFamily="34" charset="-34"/>
+                <a:cs typeface="Cordia New" panose="020B0304020202020204" pitchFamily="34" charset="-34"/>
+              </a:rPr>
+              <a:t>- </a:t>
+            </a:r>
+            <a:r>
+              <a:rPr lang="en-US" altLang="zh-CN" dirty="0" err="1">
+                <a:solidFill>
+                  <a:srgbClr val="002060"/>
+                </a:solidFill>
+                <a:latin typeface="Cordia New" panose="020B0304020202020204" pitchFamily="34" charset="-34"/>
+                <a:cs typeface="Cordia New" panose="020B0304020202020204" pitchFamily="34" charset="-34"/>
+              </a:rPr>
+              <a:t>mov</a:t>
+            </a:r>
+            <a:r>
+              <a:rPr lang="en-US" altLang="zh-CN" dirty="0">
+                <a:solidFill>
+                  <a:srgbClr val="002060"/>
+                </a:solidFill>
+                <a:latin typeface="Cordia New" panose="020B0304020202020204" pitchFamily="34" charset="-34"/>
+                <a:cs typeface="Cordia New" panose="020B0304020202020204" pitchFamily="34" charset="-34"/>
+              </a:rPr>
+              <a:t> edi,00000000 { 0 }</a:t>
+            </a:r>
+          </a:p>
+          <a:p>
+            <a:r>
+              <a:rPr lang="en-US" altLang="zh-CN" dirty="0">
+                <a:solidFill>
+                  <a:srgbClr val="002060"/>
+                </a:solidFill>
+                <a:latin typeface="Cordia New" panose="020B0304020202020204" pitchFamily="34" charset="-34"/>
+                <a:cs typeface="Cordia New" panose="020B0304020202020204" pitchFamily="34" charset="-34"/>
+              </a:rPr>
+              <a:t>03420020 - 29 7B 04             </a:t>
+            </a:r>
+            <a:r>
+              <a:rPr lang="en-US" altLang="zh-CN" dirty="0" smtClean="0">
+                <a:solidFill>
+                  <a:srgbClr val="002060"/>
+                </a:solidFill>
+                <a:latin typeface="Cordia New" panose="020B0304020202020204" pitchFamily="34" charset="-34"/>
+                <a:cs typeface="Cordia New" panose="020B0304020202020204" pitchFamily="34" charset="-34"/>
+              </a:rPr>
+              <a:t>- </a:t>
+            </a:r>
+            <a:r>
+              <a:rPr lang="en-US" altLang="zh-CN" dirty="0">
+                <a:solidFill>
+                  <a:srgbClr val="002060"/>
+                </a:solidFill>
+                <a:latin typeface="Cordia New" panose="020B0304020202020204" pitchFamily="34" charset="-34"/>
+                <a:cs typeface="Cordia New" panose="020B0304020202020204" pitchFamily="34" charset="-34"/>
+              </a:rPr>
+              <a:t>sub [ebx+04],</a:t>
+            </a:r>
+            <a:r>
+              <a:rPr lang="en-US" altLang="zh-CN" dirty="0" err="1">
+                <a:solidFill>
+                  <a:srgbClr val="002060"/>
+                </a:solidFill>
+                <a:latin typeface="Cordia New" panose="020B0304020202020204" pitchFamily="34" charset="-34"/>
+                <a:cs typeface="Cordia New" panose="020B0304020202020204" pitchFamily="34" charset="-34"/>
+              </a:rPr>
+              <a:t>edi</a:t>
+            </a:r>
+            <a:endParaRPr lang="en-US" altLang="zh-CN" dirty="0">
+              <a:solidFill>
+                <a:srgbClr val="002060"/>
+              </a:solidFill>
+              <a:latin typeface="Cordia New" panose="020B0304020202020204" pitchFamily="34" charset="-34"/>
+              <a:cs typeface="Cordia New" panose="020B0304020202020204" pitchFamily="34" charset="-34"/>
+            </a:endParaRPr>
+          </a:p>
+          <a:p>
+            <a:r>
+              <a:rPr lang="en-US" altLang="zh-CN" dirty="0">
+                <a:solidFill>
+                  <a:srgbClr val="002060"/>
+                </a:solidFill>
+                <a:latin typeface="Cordia New" panose="020B0304020202020204" pitchFamily="34" charset="-34"/>
+                <a:cs typeface="Cordia New" panose="020B0304020202020204" pitchFamily="34" charset="-34"/>
+              </a:rPr>
+              <a:t>03420023 - 8B C7                 </a:t>
+            </a:r>
+            <a:r>
+              <a:rPr lang="en-US" altLang="zh-CN" dirty="0" smtClean="0">
+                <a:solidFill>
+                  <a:srgbClr val="002060"/>
+                </a:solidFill>
+                <a:latin typeface="Cordia New" panose="020B0304020202020204" pitchFamily="34" charset="-34"/>
+                <a:cs typeface="Cordia New" panose="020B0304020202020204" pitchFamily="34" charset="-34"/>
+              </a:rPr>
+              <a:t> - </a:t>
+            </a:r>
+            <a:r>
+              <a:rPr lang="en-US" altLang="zh-CN" dirty="0" err="1">
+                <a:solidFill>
+                  <a:srgbClr val="002060"/>
+                </a:solidFill>
+                <a:latin typeface="Cordia New" panose="020B0304020202020204" pitchFamily="34" charset="-34"/>
+                <a:cs typeface="Cordia New" panose="020B0304020202020204" pitchFamily="34" charset="-34"/>
+              </a:rPr>
+              <a:t>mov</a:t>
+            </a:r>
+            <a:r>
+              <a:rPr lang="en-US" altLang="zh-CN" dirty="0">
+                <a:solidFill>
+                  <a:srgbClr val="002060"/>
+                </a:solidFill>
+                <a:latin typeface="Cordia New" panose="020B0304020202020204" pitchFamily="34" charset="-34"/>
+                <a:cs typeface="Cordia New" panose="020B0304020202020204" pitchFamily="34" charset="-34"/>
+              </a:rPr>
+              <a:t> </a:t>
+            </a:r>
+            <a:r>
+              <a:rPr lang="en-US" altLang="zh-CN" dirty="0" err="1">
+                <a:solidFill>
+                  <a:srgbClr val="002060"/>
+                </a:solidFill>
+                <a:latin typeface="Cordia New" panose="020B0304020202020204" pitchFamily="34" charset="-34"/>
+                <a:cs typeface="Cordia New" panose="020B0304020202020204" pitchFamily="34" charset="-34"/>
+              </a:rPr>
+              <a:t>eax,edi</a:t>
+            </a:r>
+            <a:endParaRPr lang="en-US" altLang="zh-CN" dirty="0">
+              <a:solidFill>
+                <a:srgbClr val="002060"/>
+              </a:solidFill>
+              <a:latin typeface="Cordia New" panose="020B0304020202020204" pitchFamily="34" charset="-34"/>
+              <a:cs typeface="Cordia New" panose="020B0304020202020204" pitchFamily="34" charset="-34"/>
+            </a:endParaRPr>
+          </a:p>
+          <a:p>
+            <a:r>
+              <a:rPr lang="en-US" altLang="zh-CN" dirty="0">
+                <a:solidFill>
+                  <a:srgbClr val="002060"/>
+                </a:solidFill>
+                <a:latin typeface="Cordia New" panose="020B0304020202020204" pitchFamily="34" charset="-34"/>
+                <a:cs typeface="Cordia New" panose="020B0304020202020204" pitchFamily="34" charset="-34"/>
+              </a:rPr>
+              <a:t>03420025 - E9 FA9C00FD     </a:t>
+            </a:r>
+            <a:r>
+              <a:rPr lang="en-US" altLang="zh-CN" dirty="0" smtClean="0">
+                <a:solidFill>
+                  <a:srgbClr val="002060"/>
+                </a:solidFill>
+                <a:latin typeface="Cordia New" panose="020B0304020202020204" pitchFamily="34" charset="-34"/>
+                <a:cs typeface="Cordia New" panose="020B0304020202020204" pitchFamily="34" charset="-34"/>
+              </a:rPr>
+              <a:t>- </a:t>
+            </a:r>
+            <a:r>
+              <a:rPr lang="en-US" altLang="zh-CN" dirty="0" err="1">
+                <a:solidFill>
+                  <a:srgbClr val="002060"/>
+                </a:solidFill>
+                <a:latin typeface="Cordia New" panose="020B0304020202020204" pitchFamily="34" charset="-34"/>
+                <a:cs typeface="Cordia New" panose="020B0304020202020204" pitchFamily="34" charset="-34"/>
+              </a:rPr>
+              <a:t>jmp</a:t>
+            </a:r>
+            <a:r>
+              <a:rPr lang="en-US" altLang="zh-CN" dirty="0">
+                <a:solidFill>
+                  <a:srgbClr val="002060"/>
+                </a:solidFill>
+                <a:latin typeface="Cordia New" panose="020B0304020202020204" pitchFamily="34" charset="-34"/>
+                <a:cs typeface="Cordia New" panose="020B0304020202020204" pitchFamily="34" charset="-34"/>
+              </a:rPr>
+              <a:t> </a:t>
+            </a:r>
+            <a:r>
+              <a:rPr lang="en-US" altLang="zh-CN" dirty="0" smtClean="0">
+                <a:solidFill>
+                  <a:srgbClr val="002060"/>
+                </a:solidFill>
+                <a:latin typeface="Cordia New" panose="020B0304020202020204" pitchFamily="34" charset="-34"/>
+                <a:cs typeface="Cordia New" panose="020B0304020202020204" pitchFamily="34" charset="-34"/>
+              </a:rPr>
+              <a:t>ac_client.exe+29D24</a:t>
+            </a:r>
+            <a:endParaRPr lang="en-US" altLang="zh-CN" dirty="0">
+              <a:solidFill>
+                <a:srgbClr val="002060"/>
+              </a:solidFill>
+              <a:latin typeface="Cordia New" panose="020B0304020202020204" pitchFamily="34" charset="-34"/>
+              <a:cs typeface="Cordia New" panose="020B0304020202020204" pitchFamily="34" charset="-34"/>
+            </a:endParaRPr>
+          </a:p>
+        </p:txBody>
+      </p:sp>
+      <p:sp>
+        <p:nvSpPr>
+          <p:cNvPr id="3" name="文本框 2"/>
+          <p:cNvSpPr txBox="1"/>
+          <p:nvPr/>
+        </p:nvSpPr>
+        <p:spPr>
+          <a:xfrm>
+            <a:off x="6859596" y="1369544"/>
+            <a:ext cx="4140877" cy="4247317"/>
+          </a:xfrm>
+          <a:prstGeom prst="rect">
+            <a:avLst/>
+          </a:prstGeom>
+          <a:noFill/>
+          <a:ln>
+            <a:solidFill>
+              <a:schemeClr val="bg1"/>
+            </a:solidFill>
+          </a:ln>
+        </p:spPr>
+        <p:txBody>
+          <a:bodyPr wrap="none" rtlCol="0">
+            <a:spAutoFit/>
+          </a:bodyPr>
+          <a:lstStyle/>
+          <a:p>
+            <a:r>
+              <a:rPr lang="en-US" altLang="zh-CN" dirty="0" smtClean="0">
+                <a:solidFill>
+                  <a:srgbClr val="002060"/>
+                </a:solidFill>
+                <a:latin typeface="Cordia New" panose="020B0304020202020204" pitchFamily="34" charset="-34"/>
+                <a:cs typeface="Cordia New" panose="020B0304020202020204" pitchFamily="34" charset="-34"/>
+              </a:rPr>
+              <a:t>Before injection:</a:t>
+            </a:r>
+          </a:p>
+          <a:p>
+            <a:r>
+              <a:rPr lang="en-US" altLang="zh-CN" dirty="0" smtClean="0">
+                <a:solidFill>
+                  <a:srgbClr val="002060"/>
+                </a:solidFill>
+                <a:latin typeface="Cordia New" panose="020B0304020202020204" pitchFamily="34" charset="-34"/>
+                <a:cs typeface="Cordia New" panose="020B0304020202020204" pitchFamily="34" charset="-34"/>
+              </a:rPr>
+              <a:t>ac_client.exe+29D1D </a:t>
+            </a:r>
+            <a:r>
+              <a:rPr lang="en-US" altLang="zh-CN" dirty="0">
+                <a:solidFill>
+                  <a:srgbClr val="002060"/>
+                </a:solidFill>
+                <a:latin typeface="Cordia New" panose="020B0304020202020204" pitchFamily="34" charset="-34"/>
+                <a:cs typeface="Cordia New" panose="020B0304020202020204" pitchFamily="34" charset="-34"/>
+              </a:rPr>
+              <a:t>- 2B F8                 - sub </a:t>
+            </a:r>
+            <a:r>
+              <a:rPr lang="en-US" altLang="zh-CN" dirty="0" err="1">
+                <a:solidFill>
+                  <a:srgbClr val="002060"/>
+                </a:solidFill>
+                <a:latin typeface="Cordia New" panose="020B0304020202020204" pitchFamily="34" charset="-34"/>
+                <a:cs typeface="Cordia New" panose="020B0304020202020204" pitchFamily="34" charset="-34"/>
+              </a:rPr>
+              <a:t>edi,eax</a:t>
+            </a:r>
+            <a:endParaRPr lang="en-US" altLang="zh-CN" dirty="0">
+              <a:solidFill>
+                <a:srgbClr val="002060"/>
+              </a:solidFill>
+              <a:latin typeface="Cordia New" panose="020B0304020202020204" pitchFamily="34" charset="-34"/>
+              <a:cs typeface="Cordia New" panose="020B0304020202020204" pitchFamily="34" charset="-34"/>
+            </a:endParaRPr>
+          </a:p>
+          <a:p>
+            <a:r>
+              <a:rPr lang="en-US" altLang="zh-CN" dirty="0">
+                <a:solidFill>
+                  <a:srgbClr val="002060"/>
+                </a:solidFill>
+                <a:latin typeface="Cordia New" panose="020B0304020202020204" pitchFamily="34" charset="-34"/>
+                <a:cs typeface="Cordia New" panose="020B0304020202020204" pitchFamily="34" charset="-34"/>
+              </a:rPr>
+              <a:t>ac_client.exe+29D1F - 29 7B 04             </a:t>
+            </a:r>
+            <a:r>
+              <a:rPr lang="en-US" altLang="zh-CN" dirty="0" smtClean="0">
+                <a:solidFill>
+                  <a:srgbClr val="002060"/>
+                </a:solidFill>
+                <a:latin typeface="Cordia New" panose="020B0304020202020204" pitchFamily="34" charset="-34"/>
+                <a:cs typeface="Cordia New" panose="020B0304020202020204" pitchFamily="34" charset="-34"/>
+              </a:rPr>
+              <a:t>- </a:t>
+            </a:r>
+            <a:r>
+              <a:rPr lang="en-US" altLang="zh-CN" dirty="0">
+                <a:solidFill>
+                  <a:srgbClr val="002060"/>
+                </a:solidFill>
+                <a:latin typeface="Cordia New" panose="020B0304020202020204" pitchFamily="34" charset="-34"/>
+                <a:cs typeface="Cordia New" panose="020B0304020202020204" pitchFamily="34" charset="-34"/>
+              </a:rPr>
+              <a:t>sub [ebx+04],</a:t>
+            </a:r>
+            <a:r>
+              <a:rPr lang="en-US" altLang="zh-CN" dirty="0" err="1">
+                <a:solidFill>
+                  <a:srgbClr val="002060"/>
+                </a:solidFill>
+                <a:latin typeface="Cordia New" panose="020B0304020202020204" pitchFamily="34" charset="-34"/>
+                <a:cs typeface="Cordia New" panose="020B0304020202020204" pitchFamily="34" charset="-34"/>
+              </a:rPr>
+              <a:t>edi</a:t>
+            </a:r>
+            <a:endParaRPr lang="en-US" altLang="zh-CN" dirty="0">
+              <a:solidFill>
+                <a:srgbClr val="002060"/>
+              </a:solidFill>
+              <a:latin typeface="Cordia New" panose="020B0304020202020204" pitchFamily="34" charset="-34"/>
+              <a:cs typeface="Cordia New" panose="020B0304020202020204" pitchFamily="34" charset="-34"/>
+            </a:endParaRPr>
+          </a:p>
+          <a:p>
+            <a:r>
+              <a:rPr lang="en-US" altLang="zh-CN" dirty="0">
+                <a:solidFill>
+                  <a:srgbClr val="002060"/>
+                </a:solidFill>
+                <a:latin typeface="Cordia New" panose="020B0304020202020204" pitchFamily="34" charset="-34"/>
+                <a:cs typeface="Cordia New" panose="020B0304020202020204" pitchFamily="34" charset="-34"/>
+              </a:rPr>
+              <a:t>ac_client.exe+29D22 - 8B C7                 - </a:t>
+            </a:r>
+            <a:r>
+              <a:rPr lang="en-US" altLang="zh-CN" dirty="0" err="1">
+                <a:solidFill>
+                  <a:srgbClr val="002060"/>
+                </a:solidFill>
+                <a:latin typeface="Cordia New" panose="020B0304020202020204" pitchFamily="34" charset="-34"/>
+                <a:cs typeface="Cordia New" panose="020B0304020202020204" pitchFamily="34" charset="-34"/>
+              </a:rPr>
+              <a:t>mov</a:t>
+            </a:r>
+            <a:r>
+              <a:rPr lang="en-US" altLang="zh-CN" dirty="0">
+                <a:solidFill>
+                  <a:srgbClr val="002060"/>
+                </a:solidFill>
+                <a:latin typeface="Cordia New" panose="020B0304020202020204" pitchFamily="34" charset="-34"/>
+                <a:cs typeface="Cordia New" panose="020B0304020202020204" pitchFamily="34" charset="-34"/>
+              </a:rPr>
+              <a:t> </a:t>
+            </a:r>
+            <a:r>
+              <a:rPr lang="en-US" altLang="zh-CN" dirty="0" err="1">
+                <a:solidFill>
+                  <a:srgbClr val="002060"/>
+                </a:solidFill>
+                <a:latin typeface="Cordia New" panose="020B0304020202020204" pitchFamily="34" charset="-34"/>
+                <a:cs typeface="Cordia New" panose="020B0304020202020204" pitchFamily="34" charset="-34"/>
+              </a:rPr>
+              <a:t>eax,edi</a:t>
+            </a:r>
+            <a:endParaRPr lang="en-US" altLang="zh-CN" dirty="0">
+              <a:solidFill>
+                <a:srgbClr val="002060"/>
+              </a:solidFill>
+              <a:latin typeface="Cordia New" panose="020B0304020202020204" pitchFamily="34" charset="-34"/>
+              <a:cs typeface="Cordia New" panose="020B0304020202020204" pitchFamily="34" charset="-34"/>
+            </a:endParaRPr>
+          </a:p>
+          <a:p>
+            <a:r>
+              <a:rPr lang="en-US" altLang="zh-CN" dirty="0">
+                <a:solidFill>
+                  <a:srgbClr val="002060"/>
+                </a:solidFill>
+                <a:latin typeface="Cordia New" panose="020B0304020202020204" pitchFamily="34" charset="-34"/>
+                <a:cs typeface="Cordia New" panose="020B0304020202020204" pitchFamily="34" charset="-34"/>
+              </a:rPr>
+              <a:t>ac_client.exe+29D24 - 5F                    </a:t>
+            </a:r>
+            <a:r>
+              <a:rPr lang="en-US" altLang="zh-CN" dirty="0" smtClean="0">
+                <a:solidFill>
+                  <a:srgbClr val="002060"/>
+                </a:solidFill>
+                <a:latin typeface="Cordia New" panose="020B0304020202020204" pitchFamily="34" charset="-34"/>
+                <a:cs typeface="Cordia New" panose="020B0304020202020204" pitchFamily="34" charset="-34"/>
+              </a:rPr>
+              <a:t>   - </a:t>
+            </a:r>
+            <a:r>
+              <a:rPr lang="en-US" altLang="zh-CN" dirty="0">
+                <a:solidFill>
+                  <a:srgbClr val="002060"/>
+                </a:solidFill>
+                <a:latin typeface="Cordia New" panose="020B0304020202020204" pitchFamily="34" charset="-34"/>
+                <a:cs typeface="Cordia New" panose="020B0304020202020204" pitchFamily="34" charset="-34"/>
+              </a:rPr>
+              <a:t>pop </a:t>
+            </a:r>
+            <a:r>
+              <a:rPr lang="en-US" altLang="zh-CN" dirty="0" err="1">
+                <a:solidFill>
+                  <a:srgbClr val="002060"/>
+                </a:solidFill>
+                <a:latin typeface="Cordia New" panose="020B0304020202020204" pitchFamily="34" charset="-34"/>
+                <a:cs typeface="Cordia New" panose="020B0304020202020204" pitchFamily="34" charset="-34"/>
+              </a:rPr>
+              <a:t>edi</a:t>
+            </a:r>
+            <a:endParaRPr lang="en-US" altLang="zh-CN" dirty="0">
+              <a:solidFill>
+                <a:srgbClr val="002060"/>
+              </a:solidFill>
+              <a:latin typeface="Cordia New" panose="020B0304020202020204" pitchFamily="34" charset="-34"/>
+              <a:cs typeface="Cordia New" panose="020B0304020202020204" pitchFamily="34" charset="-34"/>
+            </a:endParaRPr>
+          </a:p>
+          <a:p>
+            <a:r>
+              <a:rPr lang="en-US" altLang="zh-CN" dirty="0">
+                <a:solidFill>
+                  <a:srgbClr val="002060"/>
+                </a:solidFill>
+                <a:latin typeface="Cordia New" panose="020B0304020202020204" pitchFamily="34" charset="-34"/>
+                <a:cs typeface="Cordia New" panose="020B0304020202020204" pitchFamily="34" charset="-34"/>
+              </a:rPr>
+              <a:t>ac_client.exe+29D25 - 5E                    </a:t>
+            </a:r>
+            <a:r>
+              <a:rPr lang="en-US" altLang="zh-CN" dirty="0" smtClean="0">
+                <a:solidFill>
+                  <a:srgbClr val="002060"/>
+                </a:solidFill>
+                <a:latin typeface="Cordia New" panose="020B0304020202020204" pitchFamily="34" charset="-34"/>
+                <a:cs typeface="Cordia New" panose="020B0304020202020204" pitchFamily="34" charset="-34"/>
+              </a:rPr>
+              <a:t>   - </a:t>
+            </a:r>
+            <a:r>
+              <a:rPr lang="en-US" altLang="zh-CN" dirty="0">
+                <a:solidFill>
+                  <a:srgbClr val="002060"/>
+                </a:solidFill>
+                <a:latin typeface="Cordia New" panose="020B0304020202020204" pitchFamily="34" charset="-34"/>
+                <a:cs typeface="Cordia New" panose="020B0304020202020204" pitchFamily="34" charset="-34"/>
+              </a:rPr>
+              <a:t>pop </a:t>
+            </a:r>
+            <a:r>
+              <a:rPr lang="en-US" altLang="zh-CN" dirty="0" err="1">
+                <a:solidFill>
+                  <a:srgbClr val="002060"/>
+                </a:solidFill>
+                <a:latin typeface="Cordia New" panose="020B0304020202020204" pitchFamily="34" charset="-34"/>
+                <a:cs typeface="Cordia New" panose="020B0304020202020204" pitchFamily="34" charset="-34"/>
+              </a:rPr>
+              <a:t>esi</a:t>
+            </a:r>
+            <a:endParaRPr lang="en-US" altLang="zh-CN" dirty="0">
+              <a:solidFill>
+                <a:srgbClr val="002060"/>
+              </a:solidFill>
+              <a:latin typeface="Cordia New" panose="020B0304020202020204" pitchFamily="34" charset="-34"/>
+              <a:cs typeface="Cordia New" panose="020B0304020202020204" pitchFamily="34" charset="-34"/>
+            </a:endParaRPr>
+          </a:p>
+          <a:p>
+            <a:r>
+              <a:rPr lang="en-US" altLang="zh-CN" dirty="0">
+                <a:solidFill>
+                  <a:srgbClr val="002060"/>
+                </a:solidFill>
+                <a:latin typeface="Cordia New" panose="020B0304020202020204" pitchFamily="34" charset="-34"/>
+                <a:cs typeface="Cordia New" panose="020B0304020202020204" pitchFamily="34" charset="-34"/>
+              </a:rPr>
+              <a:t>ac_client.exe+29D26 - 8B E5                 - </a:t>
+            </a:r>
+            <a:r>
+              <a:rPr lang="en-US" altLang="zh-CN" dirty="0" err="1">
+                <a:solidFill>
+                  <a:srgbClr val="002060"/>
+                </a:solidFill>
+                <a:latin typeface="Cordia New" panose="020B0304020202020204" pitchFamily="34" charset="-34"/>
+                <a:cs typeface="Cordia New" panose="020B0304020202020204" pitchFamily="34" charset="-34"/>
+              </a:rPr>
+              <a:t>mov</a:t>
+            </a:r>
+            <a:r>
+              <a:rPr lang="en-US" altLang="zh-CN" dirty="0">
+                <a:solidFill>
+                  <a:srgbClr val="002060"/>
+                </a:solidFill>
+                <a:latin typeface="Cordia New" panose="020B0304020202020204" pitchFamily="34" charset="-34"/>
+                <a:cs typeface="Cordia New" panose="020B0304020202020204" pitchFamily="34" charset="-34"/>
+              </a:rPr>
+              <a:t> </a:t>
+            </a:r>
+            <a:r>
+              <a:rPr lang="en-US" altLang="zh-CN" dirty="0" err="1">
+                <a:solidFill>
+                  <a:srgbClr val="002060"/>
+                </a:solidFill>
+                <a:latin typeface="Cordia New" panose="020B0304020202020204" pitchFamily="34" charset="-34"/>
+                <a:cs typeface="Cordia New" panose="020B0304020202020204" pitchFamily="34" charset="-34"/>
+              </a:rPr>
+              <a:t>esp,ebp</a:t>
+            </a:r>
+            <a:endParaRPr lang="en-US" altLang="zh-CN" dirty="0">
+              <a:solidFill>
+                <a:srgbClr val="002060"/>
+              </a:solidFill>
+              <a:latin typeface="Cordia New" panose="020B0304020202020204" pitchFamily="34" charset="-34"/>
+              <a:cs typeface="Cordia New" panose="020B0304020202020204" pitchFamily="34" charset="-34"/>
+            </a:endParaRPr>
+          </a:p>
+          <a:p>
+            <a:endParaRPr lang="en-US" altLang="zh-CN" dirty="0">
+              <a:solidFill>
+                <a:srgbClr val="002060"/>
+              </a:solidFill>
+              <a:latin typeface="Cordia New" panose="020B0304020202020204" pitchFamily="34" charset="-34"/>
+              <a:cs typeface="Cordia New" panose="020B0304020202020204" pitchFamily="34" charset="-34"/>
+            </a:endParaRPr>
+          </a:p>
+          <a:p>
+            <a:r>
+              <a:rPr lang="en-US" altLang="zh-CN" dirty="0" smtClean="0">
+                <a:solidFill>
+                  <a:srgbClr val="002060"/>
+                </a:solidFill>
+                <a:latin typeface="Cordia New" panose="020B0304020202020204" pitchFamily="34" charset="-34"/>
+                <a:cs typeface="Cordia New" panose="020B0304020202020204" pitchFamily="34" charset="-34"/>
+              </a:rPr>
+              <a:t>After injection:</a:t>
+            </a:r>
+            <a:endParaRPr lang="zh-CN" altLang="en-US" dirty="0">
+              <a:solidFill>
+                <a:srgbClr val="002060"/>
+              </a:solidFill>
+              <a:latin typeface="Cordia New" panose="020B0304020202020204" pitchFamily="34" charset="-34"/>
+              <a:cs typeface="Cordia New" panose="020B0304020202020204" pitchFamily="34" charset="-34"/>
+            </a:endParaRPr>
+          </a:p>
+          <a:p>
+            <a:r>
+              <a:rPr lang="en-US" altLang="zh-CN" dirty="0">
+                <a:solidFill>
+                  <a:srgbClr val="002060"/>
+                </a:solidFill>
+                <a:latin typeface="Cordia New" panose="020B0304020202020204" pitchFamily="34" charset="-34"/>
+                <a:cs typeface="Cordia New" panose="020B0304020202020204" pitchFamily="34" charset="-34"/>
+              </a:rPr>
+              <a:t>ac_client.exe+29D1D - 2B F8                 - sub </a:t>
+            </a:r>
+            <a:r>
+              <a:rPr lang="en-US" altLang="zh-CN" dirty="0" err="1">
+                <a:solidFill>
+                  <a:srgbClr val="002060"/>
+                </a:solidFill>
+                <a:latin typeface="Cordia New" panose="020B0304020202020204" pitchFamily="34" charset="-34"/>
+                <a:cs typeface="Cordia New" panose="020B0304020202020204" pitchFamily="34" charset="-34"/>
+              </a:rPr>
+              <a:t>edi,eax</a:t>
+            </a:r>
+            <a:endParaRPr lang="en-US" altLang="zh-CN" dirty="0">
+              <a:solidFill>
+                <a:srgbClr val="002060"/>
+              </a:solidFill>
+              <a:latin typeface="Cordia New" panose="020B0304020202020204" pitchFamily="34" charset="-34"/>
+              <a:cs typeface="Cordia New" panose="020B0304020202020204" pitchFamily="34" charset="-34"/>
+            </a:endParaRPr>
+          </a:p>
+          <a:p>
+            <a:r>
+              <a:rPr lang="en-US" altLang="zh-CN" dirty="0">
+                <a:solidFill>
+                  <a:srgbClr val="002060"/>
+                </a:solidFill>
+                <a:latin typeface="Cordia New" panose="020B0304020202020204" pitchFamily="34" charset="-34"/>
+                <a:cs typeface="Cordia New" panose="020B0304020202020204" pitchFamily="34" charset="-34"/>
+              </a:rPr>
+              <a:t>INJECT              - E9 DC62FF02           </a:t>
+            </a:r>
+            <a:r>
+              <a:rPr lang="en-US" altLang="zh-CN" dirty="0" smtClean="0">
+                <a:solidFill>
+                  <a:srgbClr val="002060"/>
+                </a:solidFill>
+                <a:latin typeface="Cordia New" panose="020B0304020202020204" pitchFamily="34" charset="-34"/>
+                <a:cs typeface="Cordia New" panose="020B0304020202020204" pitchFamily="34" charset="-34"/>
+              </a:rPr>
+              <a:t>   - </a:t>
+            </a:r>
+            <a:r>
+              <a:rPr lang="en-US" altLang="zh-CN" dirty="0" err="1">
+                <a:solidFill>
+                  <a:srgbClr val="002060"/>
+                </a:solidFill>
+                <a:latin typeface="Cordia New" panose="020B0304020202020204" pitchFamily="34" charset="-34"/>
+                <a:cs typeface="Cordia New" panose="020B0304020202020204" pitchFamily="34" charset="-34"/>
+              </a:rPr>
+              <a:t>jmp</a:t>
+            </a:r>
+            <a:r>
+              <a:rPr lang="en-US" altLang="zh-CN" dirty="0">
+                <a:solidFill>
+                  <a:srgbClr val="002060"/>
+                </a:solidFill>
+                <a:latin typeface="Cordia New" panose="020B0304020202020204" pitchFamily="34" charset="-34"/>
+                <a:cs typeface="Cordia New" panose="020B0304020202020204" pitchFamily="34" charset="-34"/>
+              </a:rPr>
+              <a:t> 03420000</a:t>
+            </a:r>
+          </a:p>
+          <a:p>
+            <a:r>
+              <a:rPr lang="en-US" altLang="zh-CN" dirty="0">
+                <a:solidFill>
+                  <a:srgbClr val="002060"/>
+                </a:solidFill>
+                <a:latin typeface="Cordia New" panose="020B0304020202020204" pitchFamily="34" charset="-34"/>
+                <a:cs typeface="Cordia New" panose="020B0304020202020204" pitchFamily="34" charset="-34"/>
+              </a:rPr>
+              <a:t>ac_client.exe+29D24 - 5F                    </a:t>
+            </a:r>
+            <a:r>
+              <a:rPr lang="en-US" altLang="zh-CN" dirty="0" smtClean="0">
+                <a:solidFill>
+                  <a:srgbClr val="002060"/>
+                </a:solidFill>
+                <a:latin typeface="Cordia New" panose="020B0304020202020204" pitchFamily="34" charset="-34"/>
+                <a:cs typeface="Cordia New" panose="020B0304020202020204" pitchFamily="34" charset="-34"/>
+              </a:rPr>
+              <a:t>   - </a:t>
+            </a:r>
+            <a:r>
+              <a:rPr lang="en-US" altLang="zh-CN" dirty="0">
+                <a:solidFill>
+                  <a:srgbClr val="002060"/>
+                </a:solidFill>
+                <a:latin typeface="Cordia New" panose="020B0304020202020204" pitchFamily="34" charset="-34"/>
+                <a:cs typeface="Cordia New" panose="020B0304020202020204" pitchFamily="34" charset="-34"/>
+              </a:rPr>
+              <a:t>pop </a:t>
+            </a:r>
+            <a:r>
+              <a:rPr lang="en-US" altLang="zh-CN" dirty="0" err="1">
+                <a:solidFill>
+                  <a:srgbClr val="002060"/>
+                </a:solidFill>
+                <a:latin typeface="Cordia New" panose="020B0304020202020204" pitchFamily="34" charset="-34"/>
+                <a:cs typeface="Cordia New" panose="020B0304020202020204" pitchFamily="34" charset="-34"/>
+              </a:rPr>
+              <a:t>edi</a:t>
+            </a:r>
+            <a:endParaRPr lang="en-US" altLang="zh-CN" dirty="0">
+              <a:solidFill>
+                <a:srgbClr val="002060"/>
+              </a:solidFill>
+              <a:latin typeface="Cordia New" panose="020B0304020202020204" pitchFamily="34" charset="-34"/>
+              <a:cs typeface="Cordia New" panose="020B0304020202020204" pitchFamily="34" charset="-34"/>
+            </a:endParaRPr>
+          </a:p>
+          <a:p>
+            <a:r>
+              <a:rPr lang="en-US" altLang="zh-CN" dirty="0">
+                <a:solidFill>
+                  <a:srgbClr val="002060"/>
+                </a:solidFill>
+                <a:latin typeface="Cordia New" panose="020B0304020202020204" pitchFamily="34" charset="-34"/>
+                <a:cs typeface="Cordia New" panose="020B0304020202020204" pitchFamily="34" charset="-34"/>
+              </a:rPr>
+              <a:t>ac_client.exe+29D25 - 5E                    </a:t>
+            </a:r>
+            <a:r>
+              <a:rPr lang="en-US" altLang="zh-CN" dirty="0" smtClean="0">
+                <a:solidFill>
+                  <a:srgbClr val="002060"/>
+                </a:solidFill>
+                <a:latin typeface="Cordia New" panose="020B0304020202020204" pitchFamily="34" charset="-34"/>
+                <a:cs typeface="Cordia New" panose="020B0304020202020204" pitchFamily="34" charset="-34"/>
+              </a:rPr>
+              <a:t>   - </a:t>
+            </a:r>
+            <a:r>
+              <a:rPr lang="en-US" altLang="zh-CN" dirty="0">
+                <a:solidFill>
+                  <a:srgbClr val="002060"/>
+                </a:solidFill>
+                <a:latin typeface="Cordia New" panose="020B0304020202020204" pitchFamily="34" charset="-34"/>
+                <a:cs typeface="Cordia New" panose="020B0304020202020204" pitchFamily="34" charset="-34"/>
+              </a:rPr>
+              <a:t>pop </a:t>
+            </a:r>
+            <a:r>
+              <a:rPr lang="en-US" altLang="zh-CN" dirty="0" err="1">
+                <a:solidFill>
+                  <a:srgbClr val="002060"/>
+                </a:solidFill>
+                <a:latin typeface="Cordia New" panose="020B0304020202020204" pitchFamily="34" charset="-34"/>
+                <a:cs typeface="Cordia New" panose="020B0304020202020204" pitchFamily="34" charset="-34"/>
+              </a:rPr>
+              <a:t>esi</a:t>
+            </a:r>
+            <a:endParaRPr lang="en-US" altLang="zh-CN" dirty="0">
+              <a:solidFill>
+                <a:srgbClr val="002060"/>
+              </a:solidFill>
+              <a:latin typeface="Cordia New" panose="020B0304020202020204" pitchFamily="34" charset="-34"/>
+              <a:cs typeface="Cordia New" panose="020B0304020202020204" pitchFamily="34" charset="-34"/>
+            </a:endParaRPr>
+          </a:p>
+          <a:p>
+            <a:r>
+              <a:rPr lang="en-US" altLang="zh-CN" dirty="0">
+                <a:solidFill>
+                  <a:srgbClr val="002060"/>
+                </a:solidFill>
+                <a:latin typeface="Cordia New" panose="020B0304020202020204" pitchFamily="34" charset="-34"/>
+                <a:cs typeface="Cordia New" panose="020B0304020202020204" pitchFamily="34" charset="-34"/>
+              </a:rPr>
+              <a:t>ac_client.exe+29D26 - 8B E5                </a:t>
+            </a:r>
+            <a:r>
+              <a:rPr lang="en-US" altLang="zh-CN" dirty="0" smtClean="0">
+                <a:solidFill>
+                  <a:srgbClr val="002060"/>
+                </a:solidFill>
+                <a:latin typeface="Cordia New" panose="020B0304020202020204" pitchFamily="34" charset="-34"/>
+                <a:cs typeface="Cordia New" panose="020B0304020202020204" pitchFamily="34" charset="-34"/>
+              </a:rPr>
+              <a:t>  - </a:t>
+            </a:r>
+            <a:r>
+              <a:rPr lang="en-US" altLang="zh-CN" dirty="0" err="1">
+                <a:solidFill>
+                  <a:srgbClr val="002060"/>
+                </a:solidFill>
+                <a:latin typeface="Cordia New" panose="020B0304020202020204" pitchFamily="34" charset="-34"/>
+                <a:cs typeface="Cordia New" panose="020B0304020202020204" pitchFamily="34" charset="-34"/>
+              </a:rPr>
+              <a:t>mov</a:t>
+            </a:r>
+            <a:r>
+              <a:rPr lang="en-US" altLang="zh-CN" dirty="0">
+                <a:solidFill>
+                  <a:srgbClr val="002060"/>
+                </a:solidFill>
+                <a:latin typeface="Cordia New" panose="020B0304020202020204" pitchFamily="34" charset="-34"/>
+                <a:cs typeface="Cordia New" panose="020B0304020202020204" pitchFamily="34" charset="-34"/>
+              </a:rPr>
+              <a:t> </a:t>
+            </a:r>
+            <a:r>
+              <a:rPr lang="en-US" altLang="zh-CN" dirty="0" err="1" smtClean="0">
+                <a:solidFill>
+                  <a:srgbClr val="002060"/>
+                </a:solidFill>
+                <a:latin typeface="Cordia New" panose="020B0304020202020204" pitchFamily="34" charset="-34"/>
+                <a:cs typeface="Cordia New" panose="020B0304020202020204" pitchFamily="34" charset="-34"/>
+              </a:rPr>
+              <a:t>esp,ebp</a:t>
+            </a:r>
+            <a:endParaRPr lang="en-US" altLang="zh-CN" dirty="0">
+              <a:solidFill>
+                <a:srgbClr val="002060"/>
+              </a:solidFill>
+              <a:latin typeface="Cordia New" panose="020B0304020202020204" pitchFamily="34" charset="-34"/>
+              <a:cs typeface="Cordia New" panose="020B0304020202020204" pitchFamily="34" charset="-34"/>
+            </a:endParaRPr>
+          </a:p>
+          <a:p>
+            <a:endParaRPr lang="zh-CN" altLang="en-US" dirty="0">
+              <a:solidFill>
+                <a:srgbClr val="002060"/>
+              </a:solidFill>
+              <a:latin typeface="Cordia New" panose="020B0304020202020204" pitchFamily="34" charset="-34"/>
+              <a:cs typeface="Cordia New" panose="020B0304020202020204" pitchFamily="34" charset="-34"/>
+            </a:endParaRPr>
+          </a:p>
+        </p:txBody>
+      </p:sp>
+      <p:sp>
+        <p:nvSpPr>
+          <p:cNvPr id="4" name="文本框 3"/>
+          <p:cNvSpPr txBox="1"/>
+          <p:nvPr/>
+        </p:nvSpPr>
+        <p:spPr>
+          <a:xfrm>
+            <a:off x="1103870" y="586086"/>
+            <a:ext cx="2255746" cy="584775"/>
+          </a:xfrm>
+          <a:prstGeom prst="rect">
+            <a:avLst/>
+          </a:prstGeom>
+          <a:noFill/>
+        </p:spPr>
+        <p:txBody>
+          <a:bodyPr wrap="none" rtlCol="0">
+            <a:spAutoFit/>
+          </a:bodyPr>
+          <a:lstStyle/>
+          <a:p>
+            <a:r>
+              <a:rPr lang="en-US" altLang="zh-CN" sz="3200" dirty="0">
+                <a:solidFill>
+                  <a:srgbClr val="FFC000"/>
+                </a:solidFill>
+                <a:latin typeface="Bernard MT Condensed" panose="02050806060905020404" pitchFamily="18" charset="0"/>
+              </a:rPr>
+              <a:t>AOB</a:t>
+            </a:r>
+            <a:r>
+              <a:rPr lang="en-US" altLang="zh-CN" dirty="0">
+                <a:latin typeface="Cordia New" panose="020B0304020202020204" pitchFamily="34" charset="-34"/>
+                <a:cs typeface="Cordia New" panose="020B0304020202020204" pitchFamily="34" charset="-34"/>
+              </a:rPr>
+              <a:t> </a:t>
+            </a:r>
+            <a:r>
+              <a:rPr lang="en-US" altLang="zh-CN" sz="3200" dirty="0">
+                <a:solidFill>
+                  <a:srgbClr val="FFC000"/>
+                </a:solidFill>
+                <a:latin typeface="Bernard MT Condensed" panose="02050806060905020404" pitchFamily="18" charset="0"/>
+              </a:rPr>
+              <a:t>Injection</a:t>
+            </a:r>
+            <a:endParaRPr lang="en-US" altLang="zh-CN" sz="3200" dirty="0">
+              <a:solidFill>
+                <a:srgbClr val="FFC000"/>
+              </a:solidFill>
+              <a:latin typeface="Bernard MT Condensed" panose="02050806060905020404" pitchFamily="18" charset="0"/>
+            </a:endParaRPr>
+          </a:p>
+        </p:txBody>
+      </p:sp>
+    </p:spTree>
+    <p:extLst>
+      <p:ext uri="{BB962C8B-B14F-4D97-AF65-F5344CB8AC3E}">
+        <p14:creationId xmlns:p14="http://schemas.microsoft.com/office/powerpoint/2010/main" val="3900256078"/>
+      </p:ext>
+    </p:extLst>
+  </p:cSld>
+  <p:clrMapOvr>
+    <a:masterClrMapping/>
+  </p:clrMapOvr>
+  <mc:AlternateContent xmlns:mc="http://schemas.openxmlformats.org/markup-compatibility/2006">
+    <mc:Choice xmlns:p14="http://schemas.microsoft.com/office/powerpoint/2010/main" Requires="p14">
+      <p:transition spd="slow" p14:dur="1500">
+        <p:random/>
+      </p:transition>
+    </mc:Choice>
+    <mc:Fallback>
+      <p:transition spd="slow">
+        <p:random/>
+      </p:transition>
+    </mc:Fallback>
+  </mc:AlternateContent>
+  <p:timing>
+    <p:tnLst>
+      <p:par>
+        <p:cTn id="1" dur="indefinite" restart="never" nodeType="tmRoot"/>
+      </p:par>
+    </p:tnLst>
+  </p:timing>
+</p:sld>
+</file>
+
+<file path=ppt/slides/slide13.xml><?xml version="1.0" encoding="utf-8"?>
 <p:sld xmlns:a="http://schemas.openxmlformats.org/drawingml/2006/main" xmlns:r="http://schemas.openxmlformats.org/officeDocument/2006/relationships" xmlns:p="http://schemas.openxmlformats.org/presentationml/2006/main">
   <p:cSld>
     <p:spTree>
@@ -4322,13 +7159,13 @@
   <p:clrMapOvr>
     <a:masterClrMapping/>
   </p:clrMapOvr>
-  <mc:AlternateContent xmlns:mc="http://schemas.openxmlformats.org/markup-compatibility/2006">
-    <mc:Choice xmlns:p14="http://schemas.microsoft.com/office/powerpoint/2010/main" Requires="p14">
+  <mc:AlternateContent xmlns:mc="http://schemas.openxmlformats.org/markup-compatibility/2006" xmlns:p14="http://schemas.microsoft.com/office/powerpoint/2010/main">
+    <mc:Choice Requires="p14">
       <p:transition spd="slow" p14:dur="1500">
         <p:random/>
       </p:transition>
     </mc:Choice>
-    <mc:Fallback>
+    <mc:Fallback xmlns="">
       <p:transition spd="slow">
         <p:random/>
       </p:transition>
@@ -5006,13 +7843,13 @@
   <p:clrMapOvr>
     <a:masterClrMapping/>
   </p:clrMapOvr>
-  <mc:AlternateContent xmlns:mc="http://schemas.openxmlformats.org/markup-compatibility/2006">
-    <mc:Choice xmlns:p14="http://schemas.microsoft.com/office/powerpoint/2010/main" Requires="p14">
+  <mc:AlternateContent xmlns:mc="http://schemas.openxmlformats.org/markup-compatibility/2006" xmlns:p14="http://schemas.microsoft.com/office/powerpoint/2010/main">
+    <mc:Choice Requires="p14">
       <p:transition spd="slow" p14:dur="1500">
         <p:random/>
       </p:transition>
     </mc:Choice>
-    <mc:Fallback>
+    <mc:Fallback xmlns="">
       <p:transition spd="slow">
         <p:random/>
       </p:transition>
@@ -6390,37 +9227,7 @@
                 <a:cs typeface="+mn-ea"/>
                 <a:sym typeface="Arial"/>
               </a:rPr>
-              <a:t>2. </a:t>
-            </a:r>
-            <a:r>
-              <a:rPr lang="en-US" altLang="zh-CN" sz="1333" dirty="0">
-                <a:solidFill>
-                  <a:schemeClr val="tx1">
-                    <a:lumMod val="65000"/>
-                    <a:lumOff val="35000"/>
-                  </a:schemeClr>
-                </a:solidFill>
-                <a:latin typeface="Bell MT" panose="02020503060305020303" pitchFamily="18" charset="0"/>
-                <a:ea typeface="微软雅黑"/>
-                <a:cs typeface="+mn-ea"/>
-                <a:sym typeface="Arial"/>
-              </a:rPr>
-              <a:t>F</a:t>
-            </a:r>
-            <a:r>
-              <a:rPr lang="en-US" altLang="zh-CN" sz="1333" dirty="0">
-                <a:solidFill>
-                  <a:schemeClr val="tx1">
-                    <a:lumMod val="65000"/>
-                    <a:lumOff val="35000"/>
-                  </a:schemeClr>
-                </a:solidFill>
-                <a:latin typeface="Bell MT" panose="02020503060305020303" pitchFamily="18" charset="0"/>
-                <a:ea typeface="微软雅黑"/>
-                <a:cs typeface="+mn-ea"/>
-                <a:sym typeface="Arial"/>
-              </a:rPr>
-              <a:t>ind out which assemble instruction decrease player health</a:t>
+              <a:t>2. Find out which assemble instruction decrease player health</a:t>
             </a:r>
             <a:r>
               <a:rPr lang="zh-CN" altLang="en-US" sz="1333" dirty="0">
@@ -6494,22 +9301,7 @@
                 <a:cs typeface="+mn-ea"/>
                 <a:sym typeface="Arial"/>
               </a:rPr>
-              <a:t>1</a:t>
-            </a:r>
-            <a:r>
-              <a:rPr lang="en-US" altLang="zh-CN" sz="1333" dirty="0" smtClean="0">
-                <a:solidFill>
-                  <a:schemeClr val="tx1">
-                    <a:lumMod val="65000"/>
-                    <a:lumOff val="35000"/>
-                  </a:schemeClr>
-                </a:solidFill>
-                <a:latin typeface="Bell MT" panose="02020503060305020303" pitchFamily="18" charset="0"/>
-                <a:ea typeface="微软雅黑"/>
-                <a:cs typeface="+mn-ea"/>
-                <a:sym typeface="Arial"/>
-              </a:rPr>
-              <a:t>. </a:t>
+              <a:t>1. </a:t>
             </a:r>
             <a:r>
               <a:rPr lang="en-US" altLang="zh-CN" sz="1333" dirty="0">
@@ -6539,22 +9331,7 @@
                 <a:cs typeface="+mn-ea"/>
                 <a:sym typeface="Arial"/>
               </a:rPr>
-              <a:t>ind </a:t>
-            </a:r>
-            <a:r>
-              <a:rPr lang="en-US" altLang="zh-CN" sz="1333" dirty="0" smtClean="0">
-                <a:solidFill>
-                  <a:schemeClr val="tx1">
-                    <a:lumMod val="65000"/>
-                    <a:lumOff val="35000"/>
-                  </a:schemeClr>
-                </a:solidFill>
-                <a:latin typeface="Bell MT" panose="02020503060305020303" pitchFamily="18" charset="0"/>
-                <a:ea typeface="微软雅黑"/>
-                <a:cs typeface="+mn-ea"/>
-                <a:sym typeface="Arial"/>
-              </a:rPr>
-              <a:t>out the player’s health address. The are some tips to find that</a:t>
+              <a:t>ind out the player’s health address. The are some tips to find that</a:t>
             </a:r>
             <a:endParaRPr lang="en-US" altLang="zh-CN" sz="1333" dirty="0">
               <a:solidFill>
@@ -6693,13 +9470,13 @@
   <p:clrMapOvr>
     <a:masterClrMapping/>
   </p:clrMapOvr>
-  <mc:AlternateContent xmlns:mc="http://schemas.openxmlformats.org/markup-compatibility/2006">
-    <mc:Choice xmlns:p14="http://schemas.microsoft.com/office/powerpoint/2010/main" Requires="p14">
+  <mc:AlternateContent xmlns:mc="http://schemas.openxmlformats.org/markup-compatibility/2006" xmlns:p14="http://schemas.microsoft.com/office/powerpoint/2010/main">
+    <mc:Choice Requires="p14">
       <p:transition spd="slow" p14:dur="1500">
         <p:random/>
       </p:transition>
     </mc:Choice>
-    <mc:Fallback>
+    <mc:Fallback xmlns="">
       <p:transition spd="slow">
         <p:random/>
       </p:transition>
@@ -7431,13 +10208,13 @@
   <p:clrMapOvr>
     <a:masterClrMapping/>
   </p:clrMapOvr>
-  <mc:AlternateContent xmlns:mc="http://schemas.openxmlformats.org/markup-compatibility/2006">
-    <mc:Choice xmlns:p14="http://schemas.microsoft.com/office/powerpoint/2010/main" Requires="p14">
+  <mc:AlternateContent xmlns:mc="http://schemas.openxmlformats.org/markup-compatibility/2006" xmlns:p14="http://schemas.microsoft.com/office/powerpoint/2010/main">
+    <mc:Choice Requires="p14">
       <p:transition spd="slow" p14:dur="1500">
         <p:random/>
       </p:transition>
     </mc:Choice>
-    <mc:Fallback>
+    <mc:Fallback xmlns="">
       <p:transition spd="slow">
         <p:random/>
       </p:transition>
@@ -8290,13 +11067,13 @@
   <p:clrMapOvr>
     <a:masterClrMapping/>
   </p:clrMapOvr>
-  <mc:AlternateContent xmlns:mc="http://schemas.openxmlformats.org/markup-compatibility/2006">
-    <mc:Choice xmlns:p14="http://schemas.microsoft.com/office/powerpoint/2010/main" Requires="p14">
+  <mc:AlternateContent xmlns:mc="http://schemas.openxmlformats.org/markup-compatibility/2006" xmlns:p14="http://schemas.microsoft.com/office/powerpoint/2010/main">
+    <mc:Choice Requires="p14">
       <p:transition spd="slow" p14:dur="1500">
         <p:random/>
       </p:transition>
     </mc:Choice>
-    <mc:Fallback>
+    <mc:Fallback xmlns="">
       <p:transition spd="slow">
         <p:random/>
       </p:transition>
@@ -9532,7 +12309,7 @@
               <a:t>function API address and make </a:t>
             </a:r>
             <a:r>
-              <a:rPr lang="en-US" altLang="zh-CN" sz="1333" dirty="0">
+              <a:rPr lang="en-US" altLang="zh-CN" sz="1333" dirty="0" smtClean="0">
                 <a:solidFill>
                   <a:schemeClr val="tx1">
                     <a:lumMod val="65000"/>
@@ -9544,7 +12321,7 @@
                 <a:cs typeface="+mn-ea"/>
                 <a:sym typeface="Arial"/>
               </a:rPr>
-              <a:t>the </a:t>
+              <a:t>it</a:t>
             </a:r>
             <a:r>
               <a:rPr lang="en-US" altLang="zh-CN" sz="1333" dirty="0" smtClean="0">
@@ -9559,7 +12336,22 @@
                 <a:cs typeface="+mn-ea"/>
                 <a:sym typeface="Arial"/>
               </a:rPr>
-              <a:t>it jump </a:t>
+              <a:t> </a:t>
+            </a:r>
+            <a:r>
+              <a:rPr lang="en-US" altLang="zh-CN" sz="1333" dirty="0" smtClean="0">
+                <a:solidFill>
+                  <a:schemeClr val="tx1">
+                    <a:lumMod val="65000"/>
+                    <a:lumOff val="35000"/>
+                  </a:schemeClr>
+                </a:solidFill>
+                <a:latin typeface="Centaur" panose="02030504050205020304" pitchFamily="18" charset="0"/>
+                <a:ea typeface="微软雅黑"/>
+                <a:cs typeface="+mn-ea"/>
+                <a:sym typeface="Arial"/>
+              </a:rPr>
+              <a:t>jump </a:t>
             </a:r>
             <a:r>
               <a:rPr lang="en-US" altLang="zh-CN" sz="1333" dirty="0">
@@ -9576,18 +12368,6 @@
               </a:rPr>
               <a:t>to your function</a:t>
             </a:r>
-            <a:endParaRPr lang="en-US" altLang="zh-CN" sz="1333" dirty="0">
-              <a:solidFill>
-                <a:schemeClr val="tx1">
-                  <a:lumMod val="65000"/>
-                  <a:lumOff val="35000"/>
-                </a:schemeClr>
-              </a:solidFill>
-              <a:latin typeface="Centaur" panose="02030504050205020304" pitchFamily="18" charset="0"/>
-              <a:ea typeface="微软雅黑"/>
-              <a:cs typeface="+mn-ea"/>
-              <a:sym typeface="Arial"/>
-            </a:endParaRPr>
           </a:p>
         </p:txBody>
       </p:sp>
@@ -10023,13 +12803,13 @@
   <p:clrMapOvr>
     <a:masterClrMapping/>
   </p:clrMapOvr>
-  <mc:AlternateContent xmlns:mc="http://schemas.openxmlformats.org/markup-compatibility/2006">
-    <mc:Choice xmlns:p14="http://schemas.microsoft.com/office/powerpoint/2010/main" Requires="p14">
+  <mc:AlternateContent xmlns:mc="http://schemas.openxmlformats.org/markup-compatibility/2006" xmlns:p14="http://schemas.microsoft.com/office/powerpoint/2010/main">
+    <mc:Choice Requires="p14">
       <p:transition spd="slow" p14:dur="1500">
         <p:random/>
       </p:transition>
     </mc:Choice>
-    <mc:Fallback>
+    <mc:Fallback xmlns="">
       <p:transition spd="slow">
         <p:random/>
       </p:transition>
@@ -10762,7 +13542,7 @@
           </p:nvSpPr>
           <p:spPr bwMode="auto">
             <a:xfrm>
-              <a:off x="1093552" y="1897536"/>
+              <a:off x="1091811" y="1906499"/>
               <a:ext cx="1620675" cy="706965"/>
             </a:xfrm>
             <a:prstGeom prst="rect">
@@ -10818,7 +13598,7 @@
                   <a:solidFill>
                     <a:srgbClr val="00B050"/>
                   </a:solidFill>
-                  <a:latin typeface="CordiaUPC" panose="020B0304020202020204" pitchFamily="34" charset="-34"/>
+                  <a:latin typeface="Centaur" panose="02030504050205020304" pitchFamily="18" charset="0"/>
                   <a:ea typeface="微软雅黑"/>
                   <a:cs typeface="CordiaUPC" panose="020B0304020202020204" pitchFamily="34" charset="-34"/>
                   <a:sym typeface="Arial"/>
@@ -10830,7 +13610,7 @@
                   <a:solidFill>
                     <a:srgbClr val="00B050"/>
                   </a:solidFill>
-                  <a:latin typeface="CordiaUPC" panose="020B0304020202020204" pitchFamily="34" charset="-34"/>
+                  <a:latin typeface="Centaur" panose="02030504050205020304" pitchFamily="18" charset="0"/>
                   <a:ea typeface="微软雅黑"/>
                   <a:cs typeface="CordiaUPC" panose="020B0304020202020204" pitchFamily="34" charset="-34"/>
                   <a:sym typeface="Arial"/>
@@ -10842,7 +13622,7 @@
                   <a:solidFill>
                     <a:srgbClr val="00B050"/>
                   </a:solidFill>
-                  <a:latin typeface="CordiaUPC" panose="020B0304020202020204" pitchFamily="34" charset="-34"/>
+                  <a:latin typeface="Centaur" panose="02030504050205020304" pitchFamily="18" charset="0"/>
                   <a:ea typeface="微软雅黑"/>
                   <a:cs typeface="CordiaUPC" panose="020B0304020202020204" pitchFamily="34" charset="-34"/>
                   <a:sym typeface="Arial"/>
@@ -10854,7 +13634,7 @@
                   <a:solidFill>
                     <a:srgbClr val="00B050"/>
                   </a:solidFill>
-                  <a:latin typeface="CordiaUPC" panose="020B0304020202020204" pitchFamily="34" charset="-34"/>
+                  <a:latin typeface="Centaur" panose="02030504050205020304" pitchFamily="18" charset="0"/>
                   <a:ea typeface="微软雅黑"/>
                   <a:cs typeface="CordiaUPC" panose="020B0304020202020204" pitchFamily="34" charset="-34"/>
                   <a:sym typeface="Arial"/>
@@ -10866,7 +13646,7 @@
                   <a:solidFill>
                     <a:srgbClr val="00B050"/>
                   </a:solidFill>
-                  <a:latin typeface="CordiaUPC" panose="020B0304020202020204" pitchFamily="34" charset="-34"/>
+                  <a:latin typeface="Centaur" panose="02030504050205020304" pitchFamily="18" charset="0"/>
                   <a:ea typeface="微软雅黑"/>
                   <a:cs typeface="CordiaUPC" panose="020B0304020202020204" pitchFamily="34" charset="-34"/>
                   <a:sym typeface="Arial"/>
@@ -10878,7 +13658,7 @@
                   <a:solidFill>
                     <a:srgbClr val="00B050"/>
                   </a:solidFill>
-                  <a:latin typeface="CordiaUPC" panose="020B0304020202020204" pitchFamily="34" charset="-34"/>
+                  <a:latin typeface="Centaur" panose="02030504050205020304" pitchFamily="18" charset="0"/>
                   <a:ea typeface="微软雅黑"/>
                   <a:cs typeface="CordiaUPC" panose="020B0304020202020204" pitchFamily="34" charset="-34"/>
                   <a:sym typeface="Arial"/>
@@ -10890,7 +13670,7 @@
                   <a:solidFill>
                     <a:srgbClr val="00B050"/>
                   </a:solidFill>
-                  <a:latin typeface="CordiaUPC" panose="020B0304020202020204" pitchFamily="34" charset="-34"/>
+                  <a:latin typeface="Centaur" panose="02030504050205020304" pitchFamily="18" charset="0"/>
                   <a:ea typeface="微软雅黑"/>
                   <a:cs typeface="CordiaUPC" panose="020B0304020202020204" pitchFamily="34" charset="-34"/>
                   <a:sym typeface="Arial"/>
@@ -10909,7 +13689,7 @@
                   <a:solidFill>
                     <a:srgbClr val="00B050"/>
                   </a:solidFill>
-                  <a:latin typeface="CordiaUPC" panose="020B0304020202020204" pitchFamily="34" charset="-34"/>
+                  <a:latin typeface="Centaur" panose="02030504050205020304" pitchFamily="18" charset="0"/>
                   <a:ea typeface="微软雅黑"/>
                   <a:cs typeface="CordiaUPC" panose="020B0304020202020204" pitchFamily="34" charset="-34"/>
                   <a:sym typeface="Arial"/>
@@ -10921,7 +13701,7 @@
                   <a:solidFill>
                     <a:srgbClr val="00B050"/>
                   </a:solidFill>
-                  <a:latin typeface="CordiaUPC" panose="020B0304020202020204" pitchFamily="34" charset="-34"/>
+                  <a:latin typeface="Centaur" panose="02030504050205020304" pitchFamily="18" charset="0"/>
                   <a:ea typeface="微软雅黑"/>
                   <a:cs typeface="CordiaUPC" panose="020B0304020202020204" pitchFamily="34" charset="-34"/>
                   <a:sym typeface="Arial"/>
@@ -10933,7 +13713,7 @@
                   <a:solidFill>
                     <a:srgbClr val="00B050"/>
                   </a:solidFill>
-                  <a:latin typeface="CordiaUPC" panose="020B0304020202020204" pitchFamily="34" charset="-34"/>
+                  <a:latin typeface="Centaur" panose="02030504050205020304" pitchFamily="18" charset="0"/>
                   <a:ea typeface="微软雅黑"/>
                   <a:cs typeface="CordiaUPC" panose="020B0304020202020204" pitchFamily="34" charset="-34"/>
                   <a:sym typeface="Arial"/>
@@ -10945,7 +13725,7 @@
                   <a:solidFill>
                     <a:srgbClr val="00B050"/>
                   </a:solidFill>
-                  <a:latin typeface="CordiaUPC" panose="020B0304020202020204" pitchFamily="34" charset="-34"/>
+                  <a:latin typeface="Centaur" panose="02030504050205020304" pitchFamily="18" charset="0"/>
                   <a:ea typeface="微软雅黑"/>
                   <a:cs typeface="CordiaUPC" panose="020B0304020202020204" pitchFamily="34" charset="-34"/>
                   <a:sym typeface="Arial"/>
@@ -10957,7 +13737,7 @@
                   <a:solidFill>
                     <a:srgbClr val="00B050"/>
                   </a:solidFill>
-                  <a:latin typeface="CordiaUPC" panose="020B0304020202020204" pitchFamily="34" charset="-34"/>
+                  <a:latin typeface="Centaur" panose="02030504050205020304" pitchFamily="18" charset="0"/>
                   <a:ea typeface="微软雅黑"/>
                   <a:cs typeface="CordiaUPC" panose="020B0304020202020204" pitchFamily="34" charset="-34"/>
                   <a:sym typeface="Arial"/>
@@ -10969,7 +13749,7 @@
                   <a:solidFill>
                     <a:srgbClr val="00B050"/>
                   </a:solidFill>
-                  <a:latin typeface="CordiaUPC" panose="020B0304020202020204" pitchFamily="34" charset="-34"/>
+                  <a:latin typeface="Centaur" panose="02030504050205020304" pitchFamily="18" charset="0"/>
                   <a:ea typeface="微软雅黑"/>
                   <a:cs typeface="CordiaUPC" panose="020B0304020202020204" pitchFamily="34" charset="-34"/>
                   <a:sym typeface="Arial"/>
@@ -10981,7 +13761,7 @@
                   <a:solidFill>
                     <a:srgbClr val="00B050"/>
                   </a:solidFill>
-                  <a:latin typeface="CordiaUPC" panose="020B0304020202020204" pitchFamily="34" charset="-34"/>
+                  <a:latin typeface="Centaur" panose="02030504050205020304" pitchFamily="18" charset="0"/>
                   <a:ea typeface="微软雅黑"/>
                   <a:cs typeface="CordiaUPC" panose="020B0304020202020204" pitchFamily="34" charset="-34"/>
                   <a:sym typeface="Arial"/>
@@ -10993,7 +13773,7 @@
                   <a:solidFill>
                     <a:srgbClr val="00B050"/>
                   </a:solidFill>
-                  <a:latin typeface="CordiaUPC" panose="020B0304020202020204" pitchFamily="34" charset="-34"/>
+                  <a:latin typeface="Centaur" panose="02030504050205020304" pitchFamily="18" charset="0"/>
                   <a:ea typeface="微软雅黑"/>
                   <a:cs typeface="CordiaUPC" panose="020B0304020202020204" pitchFamily="34" charset="-34"/>
                   <a:sym typeface="Arial"/>
@@ -11004,7 +13784,7 @@
                 <a:solidFill>
                   <a:srgbClr val="00B050"/>
                 </a:solidFill>
-                <a:latin typeface="CordiaUPC" panose="020B0304020202020204" pitchFamily="34" charset="-34"/>
+                <a:latin typeface="Centaur" panose="02030504050205020304" pitchFamily="18" charset="0"/>
                 <a:ea typeface="微软雅黑"/>
                 <a:cs typeface="CordiaUPC" panose="020B0304020202020204" pitchFamily="34" charset="-34"/>
                 <a:sym typeface="Arial"/>
@@ -16333,7 +19113,7 @@
         <p:spPr>
           <a:xfrm>
             <a:off x="1984351" y="2448472"/>
-            <a:ext cx="7148495" cy="1477328"/>
+            <a:ext cx="5812810" cy="1415772"/>
           </a:xfrm>
           <a:prstGeom prst="rect">
             <a:avLst/>
@@ -16347,16 +19127,16 @@
           <a:lstStyle/>
           <a:p>
             <a:r>
-              <a:rPr lang="en-US" altLang="zh-CN" dirty="0" smtClean="0">
-                <a:latin typeface="Calisto MT" panose="02040603050505030304" pitchFamily="18" charset="0"/>
+              <a:rPr lang="en-US" altLang="zh-CN" sz="2000" dirty="0" smtClean="0">
+                <a:latin typeface="Gabriola" panose="04040605051002020D02" pitchFamily="82" charset="0"/>
               </a:rPr>
               <a:t>Get process handle with process id</a:t>
             </a:r>
           </a:p>
           <a:p>
             <a:r>
-              <a:rPr lang="en-US" altLang="zh-CN" dirty="0" smtClean="0">
-                <a:latin typeface="Calisto MT" panose="02040603050505030304" pitchFamily="18" charset="0"/>
+              <a:rPr lang="en-US" altLang="zh-CN" sz="2000" dirty="0" smtClean="0">
+                <a:latin typeface="Gabriola" panose="04040605051002020D02" pitchFamily="82" charset="0"/>
               </a:rPr>
               <a:t>Write any thing you want to the remote process address you have found</a:t>
             </a:r>
@@ -16368,7 +19148,7 @@
           </a:p>
           <a:p>
             <a:r>
-              <a:rPr lang="en-US" altLang="zh-CN" dirty="0" smtClean="0">
+              <a:rPr lang="en-US" altLang="zh-CN" sz="1400" dirty="0" smtClean="0">
                 <a:solidFill>
                   <a:schemeClr val="tx1">
                     <a:lumMod val="50000"/>
@@ -16380,7 +19160,7 @@
               <a:t>See </a:t>
             </a:r>
             <a:r>
-              <a:rPr lang="en-US" altLang="zh-CN" dirty="0">
+              <a:rPr lang="en-US" altLang="zh-CN" sz="1400" dirty="0">
                 <a:solidFill>
                   <a:schemeClr val="tx1">
                     <a:lumMod val="50000"/>
@@ -16392,7 +19172,7 @@
               <a:t>a demo</a:t>
             </a:r>
             <a:r>
-              <a:rPr lang="en-US" altLang="zh-CN" dirty="0" smtClean="0">
+              <a:rPr lang="en-US" altLang="zh-CN" sz="1400" dirty="0" smtClean="0">
                 <a:solidFill>
                   <a:schemeClr val="tx1">
                     <a:lumMod val="50000"/>
@@ -16406,7 +19186,7 @@
           </a:p>
           <a:p>
             <a:r>
-              <a:rPr lang="en-US" altLang="zh-CN" dirty="0" smtClean="0">
+              <a:rPr lang="en-US" altLang="zh-CN" sz="1400" dirty="0" smtClean="0">
                 <a:solidFill>
                   <a:schemeClr val="tx1">
                     <a:lumMod val="50000"/>
@@ -16418,7 +19198,7 @@
               <a:t>D</a:t>
             </a:r>
             <a:r>
-              <a:rPr lang="en-US" altLang="zh-CN" dirty="0">
+              <a:rPr lang="en-US" altLang="zh-CN" sz="1400" dirty="0">
                 <a:solidFill>
                   <a:schemeClr val="tx1">
                     <a:lumMod val="50000"/>
@@ -16429,7 +19209,7 @@
               </a:rPr>
               <a:t>:\myfile\git-hub\hook\APIHOOK\modifyApiHookDemoMemory</a:t>
             </a:r>
-            <a:endParaRPr lang="zh-CN" altLang="en-US" dirty="0">
+            <a:endParaRPr lang="zh-CN" altLang="en-US" sz="1400" dirty="0">
               <a:solidFill>
                 <a:schemeClr val="tx1">
                   <a:lumMod val="50000"/>
@@ -16491,13 +19271,13 @@
   <p:clrMapOvr>
     <a:masterClrMapping/>
   </p:clrMapOvr>
-  <mc:AlternateContent xmlns:mc="http://schemas.openxmlformats.org/markup-compatibility/2006">
-    <mc:Choice xmlns:p14="http://schemas.microsoft.com/office/powerpoint/2010/main" Requires="p14">
+  <mc:AlternateContent xmlns:mc="http://schemas.openxmlformats.org/markup-compatibility/2006" xmlns:p14="http://schemas.microsoft.com/office/powerpoint/2010/main">
+    <mc:Choice Requires="p14">
       <p:transition spd="slow" p14:dur="1500">
         <p:random/>
       </p:transition>
     </mc:Choice>
-    <mc:Fallback>
+    <mc:Fallback xmlns="">
       <p:transition spd="slow">
         <p:random/>
       </p:transition>
@@ -19103,18 +21883,6 @@
               </a:rPr>
               <a:t>your function </a:t>
             </a:r>
-            <a:endParaRPr lang="en-US" altLang="zh-CN" sz="1100" dirty="0">
-              <a:solidFill>
-                <a:schemeClr val="accent1">
-                  <a:lumMod val="90000"/>
-                  <a:lumOff val="10000"/>
-                </a:schemeClr>
-              </a:solidFill>
-              <a:latin typeface="Consolas" panose="020B0609020204030204" pitchFamily="49" charset="0"/>
-              <a:ea typeface="微软雅黑"/>
-              <a:cs typeface="Consolas" panose="020B0609020204030204" pitchFamily="49" charset="0"/>
-              <a:sym typeface="Arial"/>
-            </a:endParaRPr>
           </a:p>
         </p:txBody>
       </p:sp>
@@ -19159,18 +21927,6 @@
               </a:rPr>
               <a:t>Find out the function address with module handle </a:t>
             </a:r>
-            <a:endParaRPr lang="en-US" altLang="zh-CN" sz="1100" dirty="0">
-              <a:solidFill>
-                <a:schemeClr val="accent1">
-                  <a:lumMod val="90000"/>
-                  <a:lumOff val="10000"/>
-                </a:schemeClr>
-              </a:solidFill>
-              <a:latin typeface="Consolas" panose="020B0609020204030204" pitchFamily="49" charset="0"/>
-              <a:ea typeface="微软雅黑"/>
-              <a:cs typeface="Consolas" panose="020B0609020204030204" pitchFamily="49" charset="0"/>
-              <a:sym typeface="Arial"/>
-            </a:endParaRPr>
           </a:p>
         </p:txBody>
       </p:sp>
@@ -19335,13 +22091,13 @@
   <p:clrMapOvr>
     <a:masterClrMapping/>
   </p:clrMapOvr>
-  <mc:AlternateContent xmlns:mc="http://schemas.openxmlformats.org/markup-compatibility/2006">
-    <mc:Choice xmlns:p14="http://schemas.microsoft.com/office/powerpoint/2010/main" Requires="p14">
+  <mc:AlternateContent xmlns:mc="http://schemas.openxmlformats.org/markup-compatibility/2006" xmlns:p14="http://schemas.microsoft.com/office/powerpoint/2010/main">
+    <mc:Choice Requires="p14">
       <p:transition spd="slow" p14:dur="1500">
         <p:random/>
       </p:transition>
     </mc:Choice>
-    <mc:Fallback>
+    <mc:Fallback xmlns="">
       <p:transition spd="slow">
         <p:random/>
       </p:transition>
@@ -24167,18 +26923,6 @@
               </a:rPr>
               <a:t>OPEN REMOTE PORCESS</a:t>
             </a:r>
-            <a:endParaRPr lang="en-US" altLang="zh-CN" sz="1200" b="1" dirty="0">
-              <a:solidFill>
-                <a:schemeClr val="tx1">
-                  <a:lumMod val="75000"/>
-                  <a:lumOff val="25000"/>
-                </a:schemeClr>
-              </a:solidFill>
-              <a:latin typeface="Colonna MT" panose="04020805060202030203" pitchFamily="82" charset="0"/>
-              <a:ea typeface="微软雅黑"/>
-              <a:cs typeface="+mn-ea"/>
-              <a:sym typeface="Arial"/>
-            </a:endParaRPr>
           </a:p>
           <a:p>
             <a:pPr algn="r">
@@ -24362,18 +27106,6 @@
               </a:rPr>
               <a:t>Modify local process privilege </a:t>
             </a:r>
-            <a:endParaRPr lang="en-US" altLang="zh-CN" sz="1100" dirty="0">
-              <a:solidFill>
-                <a:schemeClr val="tx1">
-                  <a:lumMod val="75000"/>
-                  <a:lumOff val="25000"/>
-                </a:schemeClr>
-              </a:solidFill>
-              <a:latin typeface="Consolas" panose="020B0609020204030204" pitchFamily="49" charset="0"/>
-              <a:ea typeface="微软雅黑"/>
-              <a:cs typeface="Consolas" panose="020B0609020204030204" pitchFamily="49" charset="0"/>
-              <a:sym typeface="Arial"/>
-            </a:endParaRPr>
           </a:p>
         </p:txBody>
       </p:sp>
@@ -24440,18 +27172,6 @@
               </a:rPr>
               <a:t>Allocate VM to store DLL address</a:t>
             </a:r>
-            <a:endParaRPr lang="en-US" altLang="zh-CN" sz="1100" dirty="0">
-              <a:solidFill>
-                <a:schemeClr val="tx1">
-                  <a:lumMod val="75000"/>
-                  <a:lumOff val="25000"/>
-                </a:schemeClr>
-              </a:solidFill>
-              <a:latin typeface="Consolas" panose="020B0609020204030204" pitchFamily="49" charset="0"/>
-              <a:ea typeface="微软雅黑"/>
-              <a:cs typeface="Consolas" panose="020B0609020204030204" pitchFamily="49" charset="0"/>
-              <a:sym typeface="Arial"/>
-            </a:endParaRPr>
           </a:p>
         </p:txBody>
       </p:sp>
@@ -24496,18 +27216,6 @@
               </a:rPr>
               <a:t>GET API ADDR</a:t>
             </a:r>
-            <a:endParaRPr lang="en-US" altLang="zh-CN" sz="1200" b="1" dirty="0">
-              <a:solidFill>
-                <a:schemeClr val="tx1">
-                  <a:lumMod val="75000"/>
-                  <a:lumOff val="25000"/>
-                </a:schemeClr>
-              </a:solidFill>
-              <a:latin typeface="Colonna MT" panose="04020805060202030203" pitchFamily="82" charset="0"/>
-              <a:ea typeface="微软雅黑"/>
-              <a:cs typeface="+mn-ea"/>
-              <a:sym typeface="Arial"/>
-            </a:endParaRPr>
           </a:p>
           <a:p>
             <a:pPr>
@@ -24582,18 +27290,6 @@
               </a:rPr>
               <a:t>Remember the address you calculated is the local process address, but it is the same as the remote process</a:t>
             </a:r>
-            <a:endParaRPr lang="en-US" altLang="zh-CN" sz="1100" dirty="0">
-              <a:solidFill>
-                <a:schemeClr val="tx1">
-                  <a:lumMod val="75000"/>
-                  <a:lumOff val="25000"/>
-                </a:schemeClr>
-              </a:solidFill>
-              <a:latin typeface="Consolas" panose="020B0609020204030204" pitchFamily="49" charset="0"/>
-              <a:ea typeface="微软雅黑"/>
-              <a:cs typeface="Consolas" panose="020B0609020204030204" pitchFamily="49" charset="0"/>
-              <a:sym typeface="Arial"/>
-            </a:endParaRPr>
           </a:p>
         </p:txBody>
       </p:sp>
@@ -24660,18 +27356,6 @@
               </a:rPr>
               <a:t>Copy DLL address to remote VM you have allocated</a:t>
             </a:r>
-            <a:endParaRPr lang="en-US" altLang="zh-CN" sz="1100" dirty="0">
-              <a:solidFill>
-                <a:schemeClr val="tx1">
-                  <a:lumMod val="75000"/>
-                  <a:lumOff val="25000"/>
-                </a:schemeClr>
-              </a:solidFill>
-              <a:latin typeface="Consolas" panose="020B0609020204030204" pitchFamily="49" charset="0"/>
-              <a:ea typeface="微软雅黑"/>
-              <a:cs typeface="Consolas" panose="020B0609020204030204" pitchFamily="49" charset="0"/>
-              <a:sym typeface="Arial"/>
-            </a:endParaRPr>
           </a:p>
         </p:txBody>
       </p:sp>
@@ -24716,18 +27400,6 @@
               </a:rPr>
               <a:t>CREATE REMOTE THREAD</a:t>
             </a:r>
-            <a:endParaRPr lang="en-US" altLang="zh-CN" sz="1200" b="1" dirty="0">
-              <a:solidFill>
-                <a:schemeClr val="tx1">
-                  <a:lumMod val="75000"/>
-                  <a:lumOff val="25000"/>
-                </a:schemeClr>
-              </a:solidFill>
-              <a:latin typeface="Colonna MT" panose="04020805060202030203" pitchFamily="82" charset="0"/>
-              <a:ea typeface="微软雅黑"/>
-              <a:cs typeface="+mn-ea"/>
-              <a:sym typeface="Arial"/>
-            </a:endParaRPr>
           </a:p>
           <a:p>
             <a:pPr>
@@ -24900,13 +27572,13 @@
   <p:clrMapOvr>
     <a:masterClrMapping/>
   </p:clrMapOvr>
-  <mc:AlternateContent xmlns:mc="http://schemas.openxmlformats.org/markup-compatibility/2006">
-    <mc:Choice xmlns:p14="http://schemas.microsoft.com/office/powerpoint/2010/main" Requires="p14">
+  <mc:AlternateContent xmlns:mc="http://schemas.openxmlformats.org/markup-compatibility/2006" xmlns:p14="http://schemas.microsoft.com/office/powerpoint/2010/main">
+    <mc:Choice Requires="p14">
       <p:transition spd="slow" p14:dur="1500">
         <p:random/>
       </p:transition>
     </mc:Choice>
-    <mc:Fallback>
+    <mc:Fallback xmlns="">
       <p:transition spd="slow">
         <p:random/>
       </p:transition>
